--- a/présentation/diapo.pptx
+++ b/présentation/diapo.pptx
@@ -7,12 +7,19 @@
   <p:sldIdLst>
     <p:sldId id="256" r:id="rId2"/>
     <p:sldId id="257" r:id="rId3"/>
-    <p:sldId id="258" r:id="rId4"/>
-    <p:sldId id="261" r:id="rId5"/>
-    <p:sldId id="259" r:id="rId6"/>
-    <p:sldId id="262" r:id="rId7"/>
-    <p:sldId id="260" r:id="rId8"/>
-    <p:sldId id="263" r:id="rId9"/>
+    <p:sldId id="271" r:id="rId4"/>
+    <p:sldId id="269" r:id="rId5"/>
+    <p:sldId id="270" r:id="rId6"/>
+    <p:sldId id="268" r:id="rId7"/>
+    <p:sldId id="272" r:id="rId8"/>
+    <p:sldId id="273" r:id="rId9"/>
+    <p:sldId id="261" r:id="rId10"/>
+    <p:sldId id="262" r:id="rId11"/>
+    <p:sldId id="264" r:id="rId12"/>
+    <p:sldId id="265" r:id="rId13"/>
+    <p:sldId id="266" r:id="rId14"/>
+    <p:sldId id="267" r:id="rId15"/>
+    <p:sldId id="263" r:id="rId16"/>
   </p:sldIdLst>
   <p:sldSz cx="12192000" cy="6858000"/>
   <p:notesSz cx="6858000" cy="9144000"/>
@@ -111,6 +118,11 @@
       </a:defRPr>
     </a:lvl9pPr>
   </p:defaultTextStyle>
+  <p:extLst>
+    <p:ext uri="{EFAFB233-063F-42B5-8137-9DF3F51BA10A}">
+      <p15:sldGuideLst xmlns:p15="http://schemas.microsoft.com/office/powerpoint/2012/main"/>
+    </p:ext>
+  </p:extLst>
 </p:presentation>
 </file>
 
@@ -302,7 +314,7 @@
           <a:p>
             <a:fld id="{3889262F-6D4F-4DC7-8418-D7BA862DDA13}" type="datetimeFigureOut">
               <a:rPr lang="fr-FR" smtClean="0"/>
-              <a:t>16/10/2020</a:t>
+              <a:t>22/10/2020</a:t>
             </a:fld>
             <a:endParaRPr lang="fr-FR"/>
           </a:p>
@@ -640,7 +652,7 @@
           <a:p>
             <a:fld id="{3889262F-6D4F-4DC7-8418-D7BA862DDA13}" type="datetimeFigureOut">
               <a:rPr lang="fr-FR" smtClean="0"/>
-              <a:t>16/10/2020</a:t>
+              <a:t>22/10/2020</a:t>
             </a:fld>
             <a:endParaRPr lang="fr-FR"/>
           </a:p>
@@ -1041,7 +1053,7 @@
           <a:p>
             <a:fld id="{3889262F-6D4F-4DC7-8418-D7BA862DDA13}" type="datetimeFigureOut">
               <a:rPr lang="fr-FR" smtClean="0"/>
-              <a:t>16/10/2020</a:t>
+              <a:t>22/10/2020</a:t>
             </a:fld>
             <a:endParaRPr lang="fr-FR"/>
           </a:p>
@@ -1377,7 +1389,7 @@
           <a:p>
             <a:fld id="{3889262F-6D4F-4DC7-8418-D7BA862DDA13}" type="datetimeFigureOut">
               <a:rPr lang="fr-FR" smtClean="0"/>
-              <a:t>16/10/2020</a:t>
+              <a:t>22/10/2020</a:t>
             </a:fld>
             <a:endParaRPr lang="fr-FR"/>
           </a:p>
@@ -1697,7 +1709,7 @@
           <a:p>
             <a:fld id="{3889262F-6D4F-4DC7-8418-D7BA862DDA13}" type="datetimeFigureOut">
               <a:rPr lang="fr-FR" smtClean="0"/>
-              <a:t>16/10/2020</a:t>
+              <a:t>22/10/2020</a:t>
             </a:fld>
             <a:endParaRPr lang="fr-FR"/>
           </a:p>
@@ -2093,7 +2105,7 @@
           <a:p>
             <a:fld id="{3889262F-6D4F-4DC7-8418-D7BA862DDA13}" type="datetimeFigureOut">
               <a:rPr lang="fr-FR" smtClean="0"/>
-              <a:t>16/10/2020</a:t>
+              <a:t>22/10/2020</a:t>
             </a:fld>
             <a:endParaRPr lang="fr-FR"/>
           </a:p>
@@ -2350,7 +2362,7 @@
           <a:p>
             <a:fld id="{3889262F-6D4F-4DC7-8418-D7BA862DDA13}" type="datetimeFigureOut">
               <a:rPr lang="fr-FR" smtClean="0"/>
-              <a:t>16/10/2020</a:t>
+              <a:t>22/10/2020</a:t>
             </a:fld>
             <a:endParaRPr lang="fr-FR"/>
           </a:p>
@@ -2612,7 +2624,7 @@
           <a:p>
             <a:fld id="{3889262F-6D4F-4DC7-8418-D7BA862DDA13}" type="datetimeFigureOut">
               <a:rPr lang="fr-FR" smtClean="0"/>
-              <a:t>16/10/2020</a:t>
+              <a:t>22/10/2020</a:t>
             </a:fld>
             <a:endParaRPr lang="fr-FR"/>
           </a:p>
@@ -2874,7 +2886,7 @@
           <a:p>
             <a:fld id="{3889262F-6D4F-4DC7-8418-D7BA862DDA13}" type="datetimeFigureOut">
               <a:rPr lang="fr-FR" smtClean="0"/>
-              <a:t>16/10/2020</a:t>
+              <a:t>22/10/2020</a:t>
             </a:fld>
             <a:endParaRPr lang="fr-FR"/>
           </a:p>
@@ -3203,7 +3215,7 @@
           <a:p>
             <a:fld id="{3889262F-6D4F-4DC7-8418-D7BA862DDA13}" type="datetimeFigureOut">
               <a:rPr lang="fr-FR" smtClean="0"/>
-              <a:t>16/10/2020</a:t>
+              <a:t>22/10/2020</a:t>
             </a:fld>
             <a:endParaRPr lang="fr-FR"/>
           </a:p>
@@ -3526,7 +3538,7 @@
           <a:p>
             <a:fld id="{3889262F-6D4F-4DC7-8418-D7BA862DDA13}" type="datetimeFigureOut">
               <a:rPr lang="fr-FR" smtClean="0"/>
-              <a:t>16/10/2020</a:t>
+              <a:t>22/10/2020</a:t>
             </a:fld>
             <a:endParaRPr lang="fr-FR"/>
           </a:p>
@@ -3983,7 +3995,7 @@
           <a:p>
             <a:fld id="{3889262F-6D4F-4DC7-8418-D7BA862DDA13}" type="datetimeFigureOut">
               <a:rPr lang="fr-FR" smtClean="0"/>
-              <a:t>16/10/2020</a:t>
+              <a:t>22/10/2020</a:t>
             </a:fld>
             <a:endParaRPr lang="fr-FR"/>
           </a:p>
@@ -4188,7 +4200,7 @@
           <a:p>
             <a:fld id="{3889262F-6D4F-4DC7-8418-D7BA862DDA13}" type="datetimeFigureOut">
               <a:rPr lang="fr-FR" smtClean="0"/>
-              <a:t>16/10/2020</a:t>
+              <a:t>22/10/2020</a:t>
             </a:fld>
             <a:endParaRPr lang="fr-FR"/>
           </a:p>
@@ -4365,7 +4377,7 @@
           <a:p>
             <a:fld id="{3889262F-6D4F-4DC7-8418-D7BA862DDA13}" type="datetimeFigureOut">
               <a:rPr lang="fr-FR" smtClean="0"/>
-              <a:t>16/10/2020</a:t>
+              <a:t>22/10/2020</a:t>
             </a:fld>
             <a:endParaRPr lang="fr-FR"/>
           </a:p>
@@ -4698,7 +4710,7 @@
           <a:p>
             <a:fld id="{3889262F-6D4F-4DC7-8418-D7BA862DDA13}" type="datetimeFigureOut">
               <a:rPr lang="fr-FR" smtClean="0"/>
-              <a:t>16/10/2020</a:t>
+              <a:t>22/10/2020</a:t>
             </a:fld>
             <a:endParaRPr lang="fr-FR"/>
           </a:p>
@@ -5043,7 +5055,7 @@
           <a:p>
             <a:fld id="{3889262F-6D4F-4DC7-8418-D7BA862DDA13}" type="datetimeFigureOut">
               <a:rPr lang="fr-FR" smtClean="0"/>
-              <a:t>16/10/2020</a:t>
+              <a:t>22/10/2020</a:t>
             </a:fld>
             <a:endParaRPr lang="fr-FR"/>
           </a:p>
@@ -7160,7 +7172,7 @@
           <a:p>
             <a:fld id="{3889262F-6D4F-4DC7-8418-D7BA862DDA13}" type="datetimeFigureOut">
               <a:rPr lang="fr-FR" smtClean="0"/>
-              <a:t>16/10/2020</a:t>
+              <a:t>22/10/2020</a:t>
             </a:fld>
             <a:endParaRPr lang="fr-FR"/>
           </a:p>
@@ -7709,10 +7721,10 @@
           <p:cNvPr id="26" name="Rectangle 6">
             <a:extLst>
               <a:ext uri="{FF2B5EF4-FFF2-40B4-BE49-F238E27FC236}">
-                <a16:creationId xmlns:a16="http://schemas.microsoft.com/office/drawing/2014/main" id="{57ABABA7-0420-4200-9B65-1C1967CE9373}"/>
+                <a16:creationId xmlns="" xmlns:a16="http://schemas.microsoft.com/office/drawing/2014/main" id="{57ABABA7-0420-4200-9B65-1C1967CE9373}"/>
               </a:ext>
               <a:ext uri="{C183D7F6-B498-43B3-948B-1728B52AA6E4}">
-                <adec:decorative xmlns:adec="http://schemas.microsoft.com/office/drawing/2017/decorative" val="1"/>
+                <adec:decorative xmlns="" xmlns:adec="http://schemas.microsoft.com/office/drawing/2017/decorative" val="1"/>
               </a:ext>
             </a:extLst>
           </p:cNvPr>
@@ -7722,7 +7734,7 @@
           <p:nvPr>
             <p:extLst>
               <p:ext uri="{386F3935-93C4-4BCD-93E2-E3B085C9AB24}">
-                <p16:designElem xmlns:p16="http://schemas.microsoft.com/office/powerpoint/2015/main" val="1"/>
+                <p16:designElem xmlns="" xmlns:p16="http://schemas.microsoft.com/office/powerpoint/2015/main" val="1"/>
               </p:ext>
             </p:extLst>
           </p:nvPr>
@@ -7769,10 +7781,10 @@
           <p:cNvPr id="27" name="Rectangle 8">
             <a:extLst>
               <a:ext uri="{FF2B5EF4-FFF2-40B4-BE49-F238E27FC236}">
-                <a16:creationId xmlns:a16="http://schemas.microsoft.com/office/drawing/2014/main" id="{A317EBE3-FF86-4DA1-BC9A-331F7F2144E9}"/>
+                <a16:creationId xmlns="" xmlns:a16="http://schemas.microsoft.com/office/drawing/2014/main" id="{A317EBE3-FF86-4DA1-BC9A-331F7F2144E9}"/>
               </a:ext>
               <a:ext uri="{C183D7F6-B498-43B3-948B-1728B52AA6E4}">
-                <adec:decorative xmlns:adec="http://schemas.microsoft.com/office/drawing/2017/decorative" val="1"/>
+                <adec:decorative xmlns="" xmlns:adec="http://schemas.microsoft.com/office/drawing/2017/decorative" val="1"/>
               </a:ext>
             </a:extLst>
           </p:cNvPr>
@@ -7782,7 +7794,7 @@
           <p:nvPr>
             <p:extLst>
               <p:ext uri="{386F3935-93C4-4BCD-93E2-E3B085C9AB24}">
-                <p16:designElem xmlns:p16="http://schemas.microsoft.com/office/powerpoint/2015/main" val="1"/>
+                <p16:designElem xmlns="" xmlns:p16="http://schemas.microsoft.com/office/powerpoint/2015/main" val="1"/>
               </p:ext>
             </p:extLst>
           </p:nvPr>
@@ -7823,10 +7835,10 @@
           <p:cNvPr id="11" name="Group 10">
             <a:extLst>
               <a:ext uri="{FF2B5EF4-FFF2-40B4-BE49-F238E27FC236}">
-                <a16:creationId xmlns:a16="http://schemas.microsoft.com/office/drawing/2014/main" id="{7A03E380-9CD1-4ABA-A763-9F9D252B8908}"/>
+                <a16:creationId xmlns="" xmlns:a16="http://schemas.microsoft.com/office/drawing/2014/main" id="{7A03E380-9CD1-4ABA-A763-9F9D252B8908}"/>
               </a:ext>
               <a:ext uri="{C183D7F6-B498-43B3-948B-1728B52AA6E4}">
-                <adec:decorative xmlns:adec="http://schemas.microsoft.com/office/drawing/2017/decorative" val="1"/>
+                <adec:decorative xmlns="" xmlns:adec="http://schemas.microsoft.com/office/drawing/2017/decorative" val="1"/>
               </a:ext>
             </a:extLst>
           </p:cNvPr>
@@ -7836,7 +7848,7 @@
           <p:nvPr>
             <p:extLst>
               <p:ext uri="{386F3935-93C4-4BCD-93E2-E3B085C9AB24}">
-                <p16:designElem xmlns:p16="http://schemas.microsoft.com/office/powerpoint/2015/main" val="1"/>
+                <p16:designElem xmlns="" xmlns:p16="http://schemas.microsoft.com/office/powerpoint/2015/main" val="1"/>
               </p:ext>
             </p:extLst>
           </p:nvPr>
@@ -7859,10 +7871,10 @@
             <p:cNvPr id="12" name="Freeform 11">
               <a:extLst>
                 <a:ext uri="{FF2B5EF4-FFF2-40B4-BE49-F238E27FC236}">
-                  <a16:creationId xmlns:a16="http://schemas.microsoft.com/office/drawing/2014/main" id="{66E01B84-4C2B-4DE5-90C8-9C4001A75B11}"/>
+                  <a16:creationId xmlns="" xmlns:a16="http://schemas.microsoft.com/office/drawing/2014/main" id="{66E01B84-4C2B-4DE5-90C8-9C4001A75B11}"/>
                 </a:ext>
                 <a:ext uri="{C183D7F6-B498-43B3-948B-1728B52AA6E4}">
-                  <adec:decorative xmlns:adec="http://schemas.microsoft.com/office/drawing/2017/decorative" val="1"/>
+                  <adec:decorative xmlns="" xmlns:adec="http://schemas.microsoft.com/office/drawing/2017/decorative" val="1"/>
                 </a:ext>
               </a:extLst>
             </p:cNvPr>
@@ -7870,7 +7882,7 @@
             <p:nvPr>
               <p:extLst>
                 <p:ext uri="{386F3935-93C4-4BCD-93E2-E3B085C9AB24}">
-                  <p16:designElem xmlns:p16="http://schemas.microsoft.com/office/powerpoint/2015/main" val="1"/>
+                  <p16:designElem xmlns="" xmlns:p16="http://schemas.microsoft.com/office/powerpoint/2015/main" val="1"/>
                 </p:ext>
               </p:extLst>
             </p:nvPr>
@@ -7931,10 +7943,10 @@
             <p:cNvPr id="13" name="Freeform 12">
               <a:extLst>
                 <a:ext uri="{FF2B5EF4-FFF2-40B4-BE49-F238E27FC236}">
-                  <a16:creationId xmlns:a16="http://schemas.microsoft.com/office/drawing/2014/main" id="{64CE5A7A-D5C5-4FE5-860C-0B5748FDEEDC}"/>
+                  <a16:creationId xmlns="" xmlns:a16="http://schemas.microsoft.com/office/drawing/2014/main" id="{64CE5A7A-D5C5-4FE5-860C-0B5748FDEEDC}"/>
                 </a:ext>
                 <a:ext uri="{C183D7F6-B498-43B3-948B-1728B52AA6E4}">
-                  <adec:decorative xmlns:adec="http://schemas.microsoft.com/office/drawing/2017/decorative" val="1"/>
+                  <adec:decorative xmlns="" xmlns:adec="http://schemas.microsoft.com/office/drawing/2017/decorative" val="1"/>
                 </a:ext>
               </a:extLst>
             </p:cNvPr>
@@ -7942,7 +7954,7 @@
             <p:nvPr>
               <p:extLst>
                 <p:ext uri="{386F3935-93C4-4BCD-93E2-E3B085C9AB24}">
-                  <p16:designElem xmlns:p16="http://schemas.microsoft.com/office/powerpoint/2015/main" val="1"/>
+                  <p16:designElem xmlns="" xmlns:p16="http://schemas.microsoft.com/office/powerpoint/2015/main" val="1"/>
                 </p:ext>
               </p:extLst>
             </p:nvPr>
@@ -8008,10 +8020,10 @@
             <p:cNvPr id="14" name="Freeform 13">
               <a:extLst>
                 <a:ext uri="{FF2B5EF4-FFF2-40B4-BE49-F238E27FC236}">
-                  <a16:creationId xmlns:a16="http://schemas.microsoft.com/office/drawing/2014/main" id="{016A7D2A-6EEA-47B8-A763-7D82E41B3CED}"/>
+                  <a16:creationId xmlns="" xmlns:a16="http://schemas.microsoft.com/office/drawing/2014/main" id="{016A7D2A-6EEA-47B8-A763-7D82E41B3CED}"/>
                 </a:ext>
                 <a:ext uri="{C183D7F6-B498-43B3-948B-1728B52AA6E4}">
-                  <adec:decorative xmlns:adec="http://schemas.microsoft.com/office/drawing/2017/decorative" val="1"/>
+                  <adec:decorative xmlns="" xmlns:adec="http://schemas.microsoft.com/office/drawing/2017/decorative" val="1"/>
                 </a:ext>
               </a:extLst>
             </p:cNvPr>
@@ -8019,7 +8031,7 @@
             <p:nvPr>
               <p:extLst>
                 <p:ext uri="{386F3935-93C4-4BCD-93E2-E3B085C9AB24}">
-                  <p16:designElem xmlns:p16="http://schemas.microsoft.com/office/powerpoint/2015/main" val="1"/>
+                  <p16:designElem xmlns="" xmlns:p16="http://schemas.microsoft.com/office/powerpoint/2015/main" val="1"/>
                 </p:ext>
               </p:extLst>
             </p:nvPr>
@@ -8090,10 +8102,10 @@
             <p:cNvPr id="15" name="Freeform 14">
               <a:extLst>
                 <a:ext uri="{FF2B5EF4-FFF2-40B4-BE49-F238E27FC236}">
-                  <a16:creationId xmlns:a16="http://schemas.microsoft.com/office/drawing/2014/main" id="{E758F6E7-6DEC-48D0-ACB1-E5E26B13E6C3}"/>
+                  <a16:creationId xmlns="" xmlns:a16="http://schemas.microsoft.com/office/drawing/2014/main" id="{E758F6E7-6DEC-48D0-ACB1-E5E26B13E6C3}"/>
                 </a:ext>
                 <a:ext uri="{C183D7F6-B498-43B3-948B-1728B52AA6E4}">
-                  <adec:decorative xmlns:adec="http://schemas.microsoft.com/office/drawing/2017/decorative" val="1"/>
+                  <adec:decorative xmlns="" xmlns:adec="http://schemas.microsoft.com/office/drawing/2017/decorative" val="1"/>
                 </a:ext>
               </a:extLst>
             </p:cNvPr>
@@ -8101,7 +8113,7 @@
             <p:nvPr>
               <p:extLst>
                 <p:ext uri="{386F3935-93C4-4BCD-93E2-E3B085C9AB24}">
-                  <p16:designElem xmlns:p16="http://schemas.microsoft.com/office/powerpoint/2015/main" val="1"/>
+                  <p16:designElem xmlns="" xmlns:p16="http://schemas.microsoft.com/office/powerpoint/2015/main" val="1"/>
                 </p:ext>
               </p:extLst>
             </p:nvPr>
@@ -8152,10 +8164,10 @@
             <p:cNvPr id="16" name="Freeform 15">
               <a:extLst>
                 <a:ext uri="{FF2B5EF4-FFF2-40B4-BE49-F238E27FC236}">
-                  <a16:creationId xmlns:a16="http://schemas.microsoft.com/office/drawing/2014/main" id="{B56657FF-C027-42E7-859B-902929B6FA1C}"/>
+                  <a16:creationId xmlns="" xmlns:a16="http://schemas.microsoft.com/office/drawing/2014/main" id="{B56657FF-C027-42E7-859B-902929B6FA1C}"/>
                 </a:ext>
                 <a:ext uri="{C183D7F6-B498-43B3-948B-1728B52AA6E4}">
-                  <adec:decorative xmlns:adec="http://schemas.microsoft.com/office/drawing/2017/decorative" val="1"/>
+                  <adec:decorative xmlns="" xmlns:adec="http://schemas.microsoft.com/office/drawing/2017/decorative" val="1"/>
                 </a:ext>
               </a:extLst>
             </p:cNvPr>
@@ -8163,7 +8175,7 @@
             <p:nvPr>
               <p:extLst>
                 <p:ext uri="{386F3935-93C4-4BCD-93E2-E3B085C9AB24}">
-                  <p16:designElem xmlns:p16="http://schemas.microsoft.com/office/powerpoint/2015/main" val="1"/>
+                  <p16:designElem xmlns="" xmlns:p16="http://schemas.microsoft.com/office/powerpoint/2015/main" val="1"/>
                 </p:ext>
               </p:extLst>
             </p:nvPr>
@@ -8249,10 +8261,10 @@
             <p:cNvPr id="17" name="Freeform 16">
               <a:extLst>
                 <a:ext uri="{FF2B5EF4-FFF2-40B4-BE49-F238E27FC236}">
-                  <a16:creationId xmlns:a16="http://schemas.microsoft.com/office/drawing/2014/main" id="{79047F2A-5978-46C6-B3A2-54AAC2136B15}"/>
+                  <a16:creationId xmlns="" xmlns:a16="http://schemas.microsoft.com/office/drawing/2014/main" id="{79047F2A-5978-46C6-B3A2-54AAC2136B15}"/>
                 </a:ext>
                 <a:ext uri="{C183D7F6-B498-43B3-948B-1728B52AA6E4}">
-                  <adec:decorative xmlns:adec="http://schemas.microsoft.com/office/drawing/2017/decorative" val="1"/>
+                  <adec:decorative xmlns="" xmlns:adec="http://schemas.microsoft.com/office/drawing/2017/decorative" val="1"/>
                 </a:ext>
               </a:extLst>
             </p:cNvPr>
@@ -8260,7 +8272,7 @@
             <p:nvPr>
               <p:extLst>
                 <p:ext uri="{386F3935-93C4-4BCD-93E2-E3B085C9AB24}">
-                  <p16:designElem xmlns:p16="http://schemas.microsoft.com/office/powerpoint/2015/main" val="1"/>
+                  <p16:designElem xmlns="" xmlns:p16="http://schemas.microsoft.com/office/powerpoint/2015/main" val="1"/>
                 </p:ext>
               </p:extLst>
             </p:nvPr>
@@ -8341,10 +8353,10 @@
             <p:cNvPr id="18" name="Freeform 17">
               <a:extLst>
                 <a:ext uri="{FF2B5EF4-FFF2-40B4-BE49-F238E27FC236}">
-                  <a16:creationId xmlns:a16="http://schemas.microsoft.com/office/drawing/2014/main" id="{F3BE8FD1-0A72-4640-AC7A-2E057273F87D}"/>
+                  <a16:creationId xmlns="" xmlns:a16="http://schemas.microsoft.com/office/drawing/2014/main" id="{F3BE8FD1-0A72-4640-AC7A-2E057273F87D}"/>
                 </a:ext>
                 <a:ext uri="{C183D7F6-B498-43B3-948B-1728B52AA6E4}">
-                  <adec:decorative xmlns:adec="http://schemas.microsoft.com/office/drawing/2017/decorative" val="1"/>
+                  <adec:decorative xmlns="" xmlns:adec="http://schemas.microsoft.com/office/drawing/2017/decorative" val="1"/>
                 </a:ext>
               </a:extLst>
             </p:cNvPr>
@@ -8352,7 +8364,7 @@
             <p:nvPr>
               <p:extLst>
                 <p:ext uri="{386F3935-93C4-4BCD-93E2-E3B085C9AB24}">
-                  <p16:designElem xmlns:p16="http://schemas.microsoft.com/office/powerpoint/2015/main" val="1"/>
+                  <p16:designElem xmlns="" xmlns:p16="http://schemas.microsoft.com/office/powerpoint/2015/main" val="1"/>
                 </p:ext>
               </p:extLst>
             </p:nvPr>
@@ -8413,10 +8425,10 @@
             <p:cNvPr id="19" name="Freeform 18">
               <a:extLst>
                 <a:ext uri="{FF2B5EF4-FFF2-40B4-BE49-F238E27FC236}">
-                  <a16:creationId xmlns:a16="http://schemas.microsoft.com/office/drawing/2014/main" id="{752FC782-A372-4D11-B20D-958955E5641F}"/>
+                  <a16:creationId xmlns="" xmlns:a16="http://schemas.microsoft.com/office/drawing/2014/main" id="{752FC782-A372-4D11-B20D-958955E5641F}"/>
                 </a:ext>
                 <a:ext uri="{C183D7F6-B498-43B3-948B-1728B52AA6E4}">
-                  <adec:decorative xmlns:adec="http://schemas.microsoft.com/office/drawing/2017/decorative" val="1"/>
+                  <adec:decorative xmlns="" xmlns:adec="http://schemas.microsoft.com/office/drawing/2017/decorative" val="1"/>
                 </a:ext>
               </a:extLst>
             </p:cNvPr>
@@ -8424,7 +8436,7 @@
             <p:nvPr>
               <p:extLst>
                 <p:ext uri="{386F3935-93C4-4BCD-93E2-E3B085C9AB24}">
-                  <p16:designElem xmlns:p16="http://schemas.microsoft.com/office/powerpoint/2015/main" val="1"/>
+                  <p16:designElem xmlns="" xmlns:p16="http://schemas.microsoft.com/office/powerpoint/2015/main" val="1"/>
                 </p:ext>
               </p:extLst>
             </p:nvPr>
@@ -8505,10 +8517,10 @@
             <p:cNvPr id="20" name="Freeform 19">
               <a:extLst>
                 <a:ext uri="{FF2B5EF4-FFF2-40B4-BE49-F238E27FC236}">
-                  <a16:creationId xmlns:a16="http://schemas.microsoft.com/office/drawing/2014/main" id="{AA00B2F1-BEE2-444A-8249-C8E3212CA1A8}"/>
+                  <a16:creationId xmlns="" xmlns:a16="http://schemas.microsoft.com/office/drawing/2014/main" id="{AA00B2F1-BEE2-444A-8249-C8E3212CA1A8}"/>
                 </a:ext>
                 <a:ext uri="{C183D7F6-B498-43B3-948B-1728B52AA6E4}">
-                  <adec:decorative xmlns:adec="http://schemas.microsoft.com/office/drawing/2017/decorative" val="1"/>
+                  <adec:decorative xmlns="" xmlns:adec="http://schemas.microsoft.com/office/drawing/2017/decorative" val="1"/>
                 </a:ext>
               </a:extLst>
             </p:cNvPr>
@@ -8516,7 +8528,7 @@
             <p:nvPr>
               <p:extLst>
                 <p:ext uri="{386F3935-93C4-4BCD-93E2-E3B085C9AB24}">
-                  <p16:designElem xmlns:p16="http://schemas.microsoft.com/office/powerpoint/2015/main" val="1"/>
+                  <p16:designElem xmlns="" xmlns:p16="http://schemas.microsoft.com/office/powerpoint/2015/main" val="1"/>
                 </p:ext>
               </p:extLst>
             </p:nvPr>
@@ -8632,10 +8644,10 @@
             <p:cNvPr id="21" name="Freeform 20">
               <a:extLst>
                 <a:ext uri="{FF2B5EF4-FFF2-40B4-BE49-F238E27FC236}">
-                  <a16:creationId xmlns:a16="http://schemas.microsoft.com/office/drawing/2014/main" id="{E7F5747E-514B-4CF7-B6B0-DAD714909789}"/>
+                  <a16:creationId xmlns="" xmlns:a16="http://schemas.microsoft.com/office/drawing/2014/main" id="{E7F5747E-514B-4CF7-B6B0-DAD714909789}"/>
                 </a:ext>
                 <a:ext uri="{C183D7F6-B498-43B3-948B-1728B52AA6E4}">
-                  <adec:decorative xmlns:adec="http://schemas.microsoft.com/office/drawing/2017/decorative" val="1"/>
+                  <adec:decorative xmlns="" xmlns:adec="http://schemas.microsoft.com/office/drawing/2017/decorative" val="1"/>
                 </a:ext>
               </a:extLst>
             </p:cNvPr>
@@ -8643,7 +8655,7 @@
             <p:nvPr>
               <p:extLst>
                 <p:ext uri="{386F3935-93C4-4BCD-93E2-E3B085C9AB24}">
-                  <p16:designElem xmlns:p16="http://schemas.microsoft.com/office/powerpoint/2015/main" val="1"/>
+                  <p16:designElem xmlns="" xmlns:p16="http://schemas.microsoft.com/office/powerpoint/2015/main" val="1"/>
                 </p:ext>
               </p:extLst>
             </p:nvPr>
@@ -8694,10 +8706,10 @@
             <p:cNvPr id="22" name="Freeform 21">
               <a:extLst>
                 <a:ext uri="{FF2B5EF4-FFF2-40B4-BE49-F238E27FC236}">
-                  <a16:creationId xmlns:a16="http://schemas.microsoft.com/office/drawing/2014/main" id="{931614BB-1593-40ED-8113-2BD11870556B}"/>
+                  <a16:creationId xmlns="" xmlns:a16="http://schemas.microsoft.com/office/drawing/2014/main" id="{931614BB-1593-40ED-8113-2BD11870556B}"/>
                 </a:ext>
                 <a:ext uri="{C183D7F6-B498-43B3-948B-1728B52AA6E4}">
-                  <adec:decorative xmlns:adec="http://schemas.microsoft.com/office/drawing/2017/decorative" val="1"/>
+                  <adec:decorative xmlns="" xmlns:adec="http://schemas.microsoft.com/office/drawing/2017/decorative" val="1"/>
                 </a:ext>
               </a:extLst>
             </p:cNvPr>
@@ -8705,7 +8717,7 @@
             <p:nvPr>
               <p:extLst>
                 <p:ext uri="{386F3935-93C4-4BCD-93E2-E3B085C9AB24}">
-                  <p16:designElem xmlns:p16="http://schemas.microsoft.com/office/powerpoint/2015/main" val="1"/>
+                  <p16:designElem xmlns="" xmlns:p16="http://schemas.microsoft.com/office/powerpoint/2015/main" val="1"/>
                 </p:ext>
               </p:extLst>
             </p:nvPr>
@@ -8766,10 +8778,10 @@
             <p:cNvPr id="28" name="Freeform 22">
               <a:extLst>
                 <a:ext uri="{FF2B5EF4-FFF2-40B4-BE49-F238E27FC236}">
-                  <a16:creationId xmlns:a16="http://schemas.microsoft.com/office/drawing/2014/main" id="{2691871F-F15C-4E19-BC9C-78E5748D744E}"/>
+                  <a16:creationId xmlns="" xmlns:a16="http://schemas.microsoft.com/office/drawing/2014/main" id="{2691871F-F15C-4E19-BC9C-78E5748D744E}"/>
                 </a:ext>
                 <a:ext uri="{C183D7F6-B498-43B3-948B-1728B52AA6E4}">
-                  <adec:decorative xmlns:adec="http://schemas.microsoft.com/office/drawing/2017/decorative" val="1"/>
+                  <adec:decorative xmlns="" xmlns:adec="http://schemas.microsoft.com/office/drawing/2017/decorative" val="1"/>
                 </a:ext>
               </a:extLst>
             </p:cNvPr>
@@ -8777,7 +8789,7 @@
             <p:nvPr>
               <p:extLst>
                 <p:ext uri="{386F3935-93C4-4BCD-93E2-E3B085C9AB24}">
-                  <p16:designElem xmlns:p16="http://schemas.microsoft.com/office/powerpoint/2015/main" val="1"/>
+                  <p16:designElem xmlns="" xmlns:p16="http://schemas.microsoft.com/office/powerpoint/2015/main" val="1"/>
                 </p:ext>
               </p:extLst>
             </p:nvPr>
@@ -8849,7 +8861,7 @@
           <p:cNvPr id="2" name="Titre 1">
             <a:extLst>
               <a:ext uri="{FF2B5EF4-FFF2-40B4-BE49-F238E27FC236}">
-                <a16:creationId xmlns:a16="http://schemas.microsoft.com/office/drawing/2014/main" id="{100A3E18-C8CE-4BA9-99EE-9CF81363CDA7}"/>
+                <a16:creationId xmlns="" xmlns:a16="http://schemas.microsoft.com/office/drawing/2014/main" id="{100A3E18-C8CE-4BA9-99EE-9CF81363CDA7}"/>
               </a:ext>
             </a:extLst>
           </p:cNvPr>
@@ -8891,10 +8903,10 @@
           <p:cNvPr id="25" name="Straight Connector 24">
             <a:extLst>
               <a:ext uri="{FF2B5EF4-FFF2-40B4-BE49-F238E27FC236}">
-                <a16:creationId xmlns:a16="http://schemas.microsoft.com/office/drawing/2014/main" id="{34D43EC1-35FA-4FC3-8526-F655CEB09D9C}"/>
+                <a16:creationId xmlns="" xmlns:a16="http://schemas.microsoft.com/office/drawing/2014/main" id="{34D43EC1-35FA-4FC3-8526-F655CEB09D9C}"/>
               </a:ext>
               <a:ext uri="{C183D7F6-B498-43B3-948B-1728B52AA6E4}">
-                <adec:decorative xmlns:adec="http://schemas.microsoft.com/office/drawing/2017/decorative" val="1"/>
+                <adec:decorative xmlns="" xmlns:adec="http://schemas.microsoft.com/office/drawing/2017/decorative" val="1"/>
               </a:ext>
             </a:extLst>
           </p:cNvPr>
@@ -8904,7 +8916,7 @@
           <p:nvPr>
             <p:extLst>
               <p:ext uri="{386F3935-93C4-4BCD-93E2-E3B085C9AB24}">
-                <p16:designElem xmlns:p16="http://schemas.microsoft.com/office/powerpoint/2015/main" val="1"/>
+                <p16:designElem xmlns="" xmlns:p16="http://schemas.microsoft.com/office/powerpoint/2015/main" val="1"/>
               </p:ext>
             </p:extLst>
           </p:nvPr>
@@ -8951,7 +8963,7 @@
 </p:sld>
 </file>
 
-<file path=ppt/slides/slide2.xml><?xml version="1.0" encoding="utf-8"?>
+<file path=ppt/slides/slide10.xml><?xml version="1.0" encoding="utf-8"?>
 <p:sld xmlns:a="http://schemas.openxmlformats.org/drawingml/2006/main" xmlns:r="http://schemas.openxmlformats.org/officeDocument/2006/relationships" xmlns:p="http://schemas.openxmlformats.org/presentationml/2006/main">
   <p:cSld>
     <p:spTree>
@@ -8973,7 +8985,7 @@
           <p:cNvPr id="2" name="Titre 1">
             <a:extLst>
               <a:ext uri="{FF2B5EF4-FFF2-40B4-BE49-F238E27FC236}">
-                <a16:creationId xmlns:a16="http://schemas.microsoft.com/office/drawing/2014/main" id="{DCE443D8-09EB-4B1B-AFDB-5E93A39D4403}"/>
+                <a16:creationId xmlns="" xmlns:a16="http://schemas.microsoft.com/office/drawing/2014/main" id="{5A62E94B-CF6C-4A71-8F0D-8EDF97F6F57B}"/>
               </a:ext>
             </a:extLst>
           </p:cNvPr>
@@ -8984,353 +8996,34 @@
             <p:ph type="title"/>
           </p:nvPr>
         </p:nvSpPr>
-        <p:spPr/>
+        <p:spPr>
+          <a:xfrm>
+            <a:off x="1791929" y="616309"/>
+            <a:ext cx="10515600" cy="1325563"/>
+          </a:xfrm>
+        </p:spPr>
         <p:txBody>
           <a:bodyPr/>
           <a:lstStyle/>
           <a:p>
             <a:r>
               <a:rPr lang="fr-FR" dirty="0"/>
-              <a:t>Théorie UMAP</a:t>
+              <a:t>ACP : recherche d’effet de la zone</a:t>
             </a:r>
           </a:p>
         </p:txBody>
       </p:sp>
-      <p:sp>
-        <p:nvSpPr>
-          <p:cNvPr id="3" name="Espace réservé du contenu 2">
+      <p:pic>
+        <p:nvPicPr>
+          <p:cNvPr id="2050" name="Picture 2">
             <a:extLst>
               <a:ext uri="{FF2B5EF4-FFF2-40B4-BE49-F238E27FC236}">
-                <a16:creationId xmlns:a16="http://schemas.microsoft.com/office/drawing/2014/main" id="{6DCEA7C5-34DD-4A8B-95A4-DFBB53A69EAC}"/>
-              </a:ext>
-            </a:extLst>
-          </p:cNvPr>
-          <p:cNvSpPr>
-            <a:spLocks noGrp="1"/>
-          </p:cNvSpPr>
-          <p:nvPr>
-            <p:ph idx="1"/>
-          </p:nvPr>
-        </p:nvSpPr>
-        <p:spPr/>
-        <p:txBody>
-          <a:bodyPr/>
-          <a:lstStyle/>
-          <a:p>
-            <a:endParaRPr lang="fr-FR" dirty="0"/>
-          </a:p>
-          <a:p>
-            <a:endParaRPr lang="fr-FR" dirty="0"/>
-          </a:p>
-          <a:p>
-            <a:endParaRPr lang="fr-FR" dirty="0"/>
-          </a:p>
-          <a:p>
-            <a:endParaRPr lang="fr-FR" dirty="0"/>
-          </a:p>
-          <a:p>
-            <a:r>
-              <a:rPr lang="fr-FR" dirty="0"/>
-              <a:t>Cf théorie git Phi</a:t>
-            </a:r>
-          </a:p>
-        </p:txBody>
-      </p:sp>
-    </p:spTree>
-    <p:extLst>
-      <p:ext uri="{BB962C8B-B14F-4D97-AF65-F5344CB8AC3E}">
-        <p14:creationId xmlns:p14="http://schemas.microsoft.com/office/powerpoint/2010/main" val="3893685818"/>
-      </p:ext>
-    </p:extLst>
-  </p:cSld>
-  <p:clrMapOvr>
-    <a:masterClrMapping/>
-  </p:clrMapOvr>
-</p:sld>
-</file>
-
-<file path=ppt/slides/slide3.xml><?xml version="1.0" encoding="utf-8"?>
-<p:sld xmlns:a="http://schemas.openxmlformats.org/drawingml/2006/main" xmlns:r="http://schemas.openxmlformats.org/officeDocument/2006/relationships" xmlns:p="http://schemas.openxmlformats.org/presentationml/2006/main">
-  <p:cSld>
-    <p:spTree>
-      <p:nvGrpSpPr>
-        <p:cNvPr id="1" name=""/>
-        <p:cNvGrpSpPr/>
-        <p:nvPr/>
-      </p:nvGrpSpPr>
-      <p:grpSpPr>
-        <a:xfrm>
-          <a:off x="0" y="0"/>
-          <a:ext cx="0" cy="0"/>
-          <a:chOff x="0" y="0"/>
-          <a:chExt cx="0" cy="0"/>
-        </a:xfrm>
-      </p:grpSpPr>
-      <p:sp>
-        <p:nvSpPr>
-          <p:cNvPr id="2" name="Titre 1">
-            <a:extLst>
-              <a:ext uri="{FF2B5EF4-FFF2-40B4-BE49-F238E27FC236}">
-                <a16:creationId xmlns:a16="http://schemas.microsoft.com/office/drawing/2014/main" id="{90FC99F6-41F7-4FF4-AB96-FD8027E3B127}"/>
-              </a:ext>
-            </a:extLst>
-          </p:cNvPr>
-          <p:cNvSpPr>
-            <a:spLocks noGrp="1"/>
-          </p:cNvSpPr>
-          <p:nvPr>
-            <p:ph type="title"/>
-          </p:nvPr>
-        </p:nvSpPr>
-        <p:spPr/>
-        <p:txBody>
-          <a:bodyPr/>
-          <a:lstStyle/>
-          <a:p>
-            <a:r>
-              <a:rPr lang="fr-FR" dirty="0"/>
-              <a:t>Représentation simple des données</a:t>
-            </a:r>
-          </a:p>
-        </p:txBody>
-      </p:sp>
-      <p:pic>
-        <p:nvPicPr>
-          <p:cNvPr id="4" name="Image 3">
-            <a:extLst>
-              <a:ext uri="{FF2B5EF4-FFF2-40B4-BE49-F238E27FC236}">
-                <a16:creationId xmlns:a16="http://schemas.microsoft.com/office/drawing/2014/main" id="{2A961655-0417-4EA4-AB83-96019B429DAE}"/>
+                <a16:creationId xmlns="" xmlns:a16="http://schemas.microsoft.com/office/drawing/2014/main" id="{D6569DB1-CFB2-4D16-8B9D-141F2A13192A}"/>
               </a:ext>
             </a:extLst>
           </p:cNvPr>
           <p:cNvPicPr>
-            <a:picLocks noChangeAspect="1"/>
-          </p:cNvPicPr>
-          <p:nvPr/>
-        </p:nvPicPr>
-        <p:blipFill>
-          <a:blip r:embed="rId2"/>
-          <a:stretch>
-            <a:fillRect/>
-          </a:stretch>
-        </p:blipFill>
-        <p:spPr>
-          <a:xfrm>
-            <a:off x="1877961" y="2229649"/>
-            <a:ext cx="8868697" cy="4628351"/>
-          </a:xfrm>
-          <a:prstGeom prst="rect">
-            <a:avLst/>
-          </a:prstGeom>
-        </p:spPr>
-      </p:pic>
-      <p:sp>
-        <p:nvSpPr>
-          <p:cNvPr id="5" name="ZoneTexte 4">
-            <a:extLst>
-              <a:ext uri="{FF2B5EF4-FFF2-40B4-BE49-F238E27FC236}">
-                <a16:creationId xmlns:a16="http://schemas.microsoft.com/office/drawing/2014/main" id="{6EAE3025-647C-45F8-BF54-2AB8E6D4D480}"/>
-              </a:ext>
-            </a:extLst>
-          </p:cNvPr>
-          <p:cNvSpPr txBox="1"/>
-          <p:nvPr/>
-        </p:nvSpPr>
-        <p:spPr>
-          <a:xfrm>
-            <a:off x="2762863" y="1535668"/>
-            <a:ext cx="7098892" cy="369332"/>
-          </a:xfrm>
-          <a:prstGeom prst="rect">
-            <a:avLst/>
-          </a:prstGeom>
-          <a:noFill/>
-        </p:spPr>
-        <p:txBody>
-          <a:bodyPr wrap="square" rtlCol="0">
-            <a:spAutoFit/>
-          </a:bodyPr>
-          <a:lstStyle/>
-          <a:p>
-            <a:r>
-              <a:rPr lang="fr-FR" dirty="0" err="1"/>
-              <a:t>Boxplot</a:t>
-            </a:r>
-            <a:r>
-              <a:rPr lang="fr-FR" dirty="0"/>
-              <a:t> des vitesses de germination en fonction du banc</a:t>
-            </a:r>
-          </a:p>
-        </p:txBody>
-      </p:sp>
-    </p:spTree>
-    <p:extLst>
-      <p:ext uri="{BB962C8B-B14F-4D97-AF65-F5344CB8AC3E}">
-        <p14:creationId xmlns:p14="http://schemas.microsoft.com/office/powerpoint/2010/main" val="2803499013"/>
-      </p:ext>
-    </p:extLst>
-  </p:cSld>
-  <p:clrMapOvr>
-    <a:masterClrMapping/>
-  </p:clrMapOvr>
-</p:sld>
-</file>
-
-<file path=ppt/slides/slide4.xml><?xml version="1.0" encoding="utf-8"?>
-<p:sld xmlns:a="http://schemas.openxmlformats.org/drawingml/2006/main" xmlns:r="http://schemas.openxmlformats.org/officeDocument/2006/relationships" xmlns:p="http://schemas.openxmlformats.org/presentationml/2006/main">
-  <p:cSld>
-    <p:spTree>
-      <p:nvGrpSpPr>
-        <p:cNvPr id="1" name=""/>
-        <p:cNvGrpSpPr/>
-        <p:nvPr/>
-      </p:nvGrpSpPr>
-      <p:grpSpPr>
-        <a:xfrm>
-          <a:off x="0" y="0"/>
-          <a:ext cx="0" cy="0"/>
-          <a:chOff x="0" y="0"/>
-          <a:chExt cx="0" cy="0"/>
-        </a:xfrm>
-      </p:grpSpPr>
-      <p:sp>
-        <p:nvSpPr>
-          <p:cNvPr id="2" name="Titre 1">
-            <a:extLst>
-              <a:ext uri="{FF2B5EF4-FFF2-40B4-BE49-F238E27FC236}">
-                <a16:creationId xmlns:a16="http://schemas.microsoft.com/office/drawing/2014/main" id="{42A6191B-EDEF-4368-8024-C8516E0CA788}"/>
-              </a:ext>
-            </a:extLst>
-          </p:cNvPr>
-          <p:cNvSpPr>
-            <a:spLocks noGrp="1"/>
-          </p:cNvSpPr>
-          <p:nvPr>
-            <p:ph type="title"/>
-          </p:nvPr>
-        </p:nvSpPr>
-        <p:spPr/>
-        <p:txBody>
-          <a:bodyPr/>
-          <a:lstStyle/>
-          <a:p>
-            <a:r>
-              <a:rPr lang="fr-FR" dirty="0"/>
-              <a:t>Représentation simple des données</a:t>
-            </a:r>
-          </a:p>
-        </p:txBody>
-      </p:sp>
-      <p:pic>
-        <p:nvPicPr>
-          <p:cNvPr id="4" name="Image 3">
-            <a:extLst>
-              <a:ext uri="{FF2B5EF4-FFF2-40B4-BE49-F238E27FC236}">
-                <a16:creationId xmlns:a16="http://schemas.microsoft.com/office/drawing/2014/main" id="{AD88337C-FEB5-4F24-9BCA-3A25A0C0A755}"/>
-              </a:ext>
-            </a:extLst>
-          </p:cNvPr>
-          <p:cNvPicPr>
-            <a:picLocks noChangeAspect="1"/>
-          </p:cNvPicPr>
-          <p:nvPr/>
-        </p:nvPicPr>
-        <p:blipFill>
-          <a:blip r:embed="rId2"/>
-          <a:stretch>
-            <a:fillRect/>
-          </a:stretch>
-        </p:blipFill>
-        <p:spPr>
-          <a:xfrm>
-            <a:off x="1804218" y="2378454"/>
-            <a:ext cx="8583561" cy="4479545"/>
-          </a:xfrm>
-          <a:prstGeom prst="rect">
-            <a:avLst/>
-          </a:prstGeom>
-        </p:spPr>
-      </p:pic>
-      <p:sp>
-        <p:nvSpPr>
-          <p:cNvPr id="5" name="ZoneTexte 4">
-            <a:extLst>
-              <a:ext uri="{FF2B5EF4-FFF2-40B4-BE49-F238E27FC236}">
-                <a16:creationId xmlns:a16="http://schemas.microsoft.com/office/drawing/2014/main" id="{E63D24D8-54A0-4AD2-A4F0-4F8A3F7136CA}"/>
-              </a:ext>
-            </a:extLst>
-          </p:cNvPr>
-          <p:cNvSpPr txBox="1"/>
-          <p:nvPr/>
-        </p:nvSpPr>
-        <p:spPr>
-          <a:xfrm>
-            <a:off x="2407504" y="1587729"/>
-            <a:ext cx="7376988" cy="369332"/>
-          </a:xfrm>
-          <a:prstGeom prst="rect">
-            <a:avLst/>
-          </a:prstGeom>
-          <a:noFill/>
-        </p:spPr>
-        <p:txBody>
-          <a:bodyPr wrap="square" rtlCol="0">
-            <a:spAutoFit/>
-          </a:bodyPr>
-          <a:lstStyle/>
-          <a:p>
-            <a:r>
-              <a:rPr lang="fr-FR" dirty="0" err="1"/>
-              <a:t>Boxplot</a:t>
-            </a:r>
-            <a:r>
-              <a:rPr lang="fr-FR" dirty="0"/>
-              <a:t> des vitesses de germination en fonction de la zone</a:t>
-            </a:r>
-          </a:p>
-        </p:txBody>
-      </p:sp>
-    </p:spTree>
-    <p:extLst>
-      <p:ext uri="{BB962C8B-B14F-4D97-AF65-F5344CB8AC3E}">
-        <p14:creationId xmlns:p14="http://schemas.microsoft.com/office/powerpoint/2010/main" val="2123986381"/>
-      </p:ext>
-    </p:extLst>
-  </p:cSld>
-  <p:clrMapOvr>
-    <a:masterClrMapping/>
-  </p:clrMapOvr>
-</p:sld>
-</file>
-
-<file path=ppt/slides/slide5.xml><?xml version="1.0" encoding="utf-8"?>
-<p:sld xmlns:a="http://schemas.openxmlformats.org/drawingml/2006/main" xmlns:r="http://schemas.openxmlformats.org/officeDocument/2006/relationships" xmlns:p="http://schemas.openxmlformats.org/presentationml/2006/main">
-  <p:cSld>
-    <p:spTree>
-      <p:nvGrpSpPr>
-        <p:cNvPr id="1" name=""/>
-        <p:cNvGrpSpPr/>
-        <p:nvPr/>
-      </p:nvGrpSpPr>
-      <p:grpSpPr>
-        <a:xfrm>
-          <a:off x="0" y="0"/>
-          <a:ext cx="0" cy="0"/>
-          <a:chOff x="0" y="0"/>
-          <a:chExt cx="0" cy="0"/>
-        </a:xfrm>
-      </p:grpSpPr>
-      <p:pic>
-        <p:nvPicPr>
-          <p:cNvPr id="6" name="Image 5">
-            <a:extLst>
-              <a:ext uri="{FF2B5EF4-FFF2-40B4-BE49-F238E27FC236}">
-                <a16:creationId xmlns:a16="http://schemas.microsoft.com/office/drawing/2014/main" id="{3339307A-51C6-4E30-BC52-92B1819F4A8A}"/>
-              </a:ext>
-            </a:extLst>
-          </p:cNvPr>
-          <p:cNvPicPr>
-            <a:picLocks noChangeAspect="1"/>
+            <a:picLocks noChangeAspect="1" noChangeArrowheads="1"/>
           </p:cNvPicPr>
           <p:nvPr/>
         </p:nvPicPr>
@@ -9342,223 +9035,44 @@
               </a:ext>
             </a:extLst>
           </a:blip>
-          <a:srcRect l="30242" t="14911" r="30484" b="16129"/>
+          <a:srcRect l="14166" t="-461" r="13657" b="461"/>
           <a:stretch/>
         </p:blipFill>
-        <p:spPr>
+        <p:spPr bwMode="auto">
           <a:xfrm>
-            <a:off x="6715432" y="1179871"/>
-            <a:ext cx="5392160" cy="5325727"/>
+            <a:off x="353345" y="1666260"/>
+            <a:ext cx="6599905" cy="4857750"/>
           </a:xfrm>
           <a:prstGeom prst="rect">
             <a:avLst/>
           </a:prstGeom>
+          <a:noFill/>
+          <a:extLst>
+            <a:ext uri="{909E8E84-426E-40DD-AFC4-6F175D3DCCD1}">
+              <a14:hiddenFill xmlns:a14="http://schemas.microsoft.com/office/drawing/2010/main">
+                <a:solidFill>
+                  <a:srgbClr val="FFFFFF"/>
+                </a:solidFill>
+              </a14:hiddenFill>
+            </a:ext>
+          </a:extLst>
         </p:spPr>
       </p:pic>
-      <p:sp>
-        <p:nvSpPr>
-          <p:cNvPr id="2" name="Titre 1">
+      <p:pic>
+        <p:nvPicPr>
+          <p:cNvPr id="2052" name="Picture 4">
             <a:extLst>
               <a:ext uri="{FF2B5EF4-FFF2-40B4-BE49-F238E27FC236}">
-                <a16:creationId xmlns:a16="http://schemas.microsoft.com/office/drawing/2014/main" id="{5A62E94B-CF6C-4A71-8F0D-8EDF97F6F57B}"/>
-              </a:ext>
-            </a:extLst>
-          </p:cNvPr>
-          <p:cNvSpPr>
-            <a:spLocks noGrp="1"/>
-          </p:cNvSpPr>
-          <p:nvPr>
-            <p:ph type="title"/>
-          </p:nvPr>
-        </p:nvSpPr>
-        <p:spPr>
-          <a:xfrm>
-            <a:off x="838200" y="178313"/>
-            <a:ext cx="10515600" cy="1325563"/>
-          </a:xfrm>
-        </p:spPr>
-        <p:txBody>
-          <a:bodyPr/>
-          <a:lstStyle/>
-          <a:p>
-            <a:r>
-              <a:rPr lang="fr-FR" dirty="0"/>
-              <a:t>ACP : recherche d’effet du banc</a:t>
-            </a:r>
-          </a:p>
-        </p:txBody>
-      </p:sp>
-      <p:pic>
-        <p:nvPicPr>
-          <p:cNvPr id="4" name="Image 3">
-            <a:extLst>
-              <a:ext uri="{FF2B5EF4-FFF2-40B4-BE49-F238E27FC236}">
-                <a16:creationId xmlns:a16="http://schemas.microsoft.com/office/drawing/2014/main" id="{CCEB3212-90CF-476E-AD31-FEF956E4AF56}"/>
+                <a16:creationId xmlns="" xmlns:a16="http://schemas.microsoft.com/office/drawing/2014/main" id="{0035AFAA-91FD-4359-B19B-60E333C010E7}"/>
               </a:ext>
             </a:extLst>
           </p:cNvPr>
           <p:cNvPicPr>
-            <a:picLocks noChangeAspect="1"/>
+            <a:picLocks noChangeAspect="1" noChangeArrowheads="1"/>
           </p:cNvPicPr>
           <p:nvPr/>
         </p:nvPicPr>
-        <p:blipFill rotWithShape="1">
-          <a:blip r:embed="rId3"/>
-          <a:srcRect l="17500" r="17580"/>
-          <a:stretch/>
-        </p:blipFill>
-        <p:spPr>
-          <a:xfrm>
-            <a:off x="324464" y="1355292"/>
-            <a:ext cx="6390968" cy="5137583"/>
-          </a:xfrm>
-          <a:prstGeom prst="rect">
-            <a:avLst/>
-          </a:prstGeom>
-        </p:spPr>
-      </p:pic>
-      <p:pic>
-        <p:nvPicPr>
-          <p:cNvPr id="8" name="Image 7">
-            <a:extLst>
-              <a:ext uri="{FF2B5EF4-FFF2-40B4-BE49-F238E27FC236}">
-                <a16:creationId xmlns:a16="http://schemas.microsoft.com/office/drawing/2014/main" id="{385CE34A-A3EF-48B1-8F7C-18D026188664}"/>
-              </a:ext>
-            </a:extLst>
-          </p:cNvPr>
-          <p:cNvPicPr>
-            <a:picLocks noChangeAspect="1"/>
-          </p:cNvPicPr>
-          <p:nvPr/>
-        </p:nvPicPr>
-        <p:blipFill rotWithShape="1">
-          <a:blip r:embed="rId2">
-            <a:extLst>
-              <a:ext uri="{28A0092B-C50C-407E-A947-70E740481C1C}">
-                <a14:useLocalDpi xmlns:a14="http://schemas.microsoft.com/office/drawing/2010/main" val="0"/>
-              </a:ext>
-            </a:extLst>
-          </a:blip>
-          <a:srcRect l="95484" t="4157" r="1774" b="86667"/>
-          <a:stretch/>
-        </p:blipFill>
-        <p:spPr>
-          <a:xfrm>
-            <a:off x="11396400" y="1422560"/>
-            <a:ext cx="334296" cy="629265"/>
-          </a:xfrm>
-          <a:prstGeom prst="rect">
-            <a:avLst/>
-          </a:prstGeom>
-        </p:spPr>
-      </p:pic>
-    </p:spTree>
-    <p:extLst>
-      <p:ext uri="{BB962C8B-B14F-4D97-AF65-F5344CB8AC3E}">
-        <p14:creationId xmlns:p14="http://schemas.microsoft.com/office/powerpoint/2010/main" val="3819249558"/>
-      </p:ext>
-    </p:extLst>
-  </p:cSld>
-  <p:clrMapOvr>
-    <a:masterClrMapping/>
-  </p:clrMapOvr>
-</p:sld>
-</file>
-
-<file path=ppt/slides/slide6.xml><?xml version="1.0" encoding="utf-8"?>
-<p:sld xmlns:a="http://schemas.openxmlformats.org/drawingml/2006/main" xmlns:r="http://schemas.openxmlformats.org/officeDocument/2006/relationships" xmlns:p="http://schemas.openxmlformats.org/presentationml/2006/main">
-  <p:cSld>
-    <p:spTree>
-      <p:nvGrpSpPr>
-        <p:cNvPr id="1" name=""/>
-        <p:cNvGrpSpPr/>
-        <p:nvPr/>
-      </p:nvGrpSpPr>
-      <p:grpSpPr>
-        <a:xfrm>
-          <a:off x="0" y="0"/>
-          <a:ext cx="0" cy="0"/>
-          <a:chOff x="0" y="0"/>
-          <a:chExt cx="0" cy="0"/>
-        </a:xfrm>
-      </p:grpSpPr>
-      <p:sp>
-        <p:nvSpPr>
-          <p:cNvPr id="2" name="Titre 1">
-            <a:extLst>
-              <a:ext uri="{FF2B5EF4-FFF2-40B4-BE49-F238E27FC236}">
-                <a16:creationId xmlns:a16="http://schemas.microsoft.com/office/drawing/2014/main" id="{5A62E94B-CF6C-4A71-8F0D-8EDF97F6F57B}"/>
-              </a:ext>
-            </a:extLst>
-          </p:cNvPr>
-          <p:cNvSpPr>
-            <a:spLocks noGrp="1"/>
-          </p:cNvSpPr>
-          <p:nvPr>
-            <p:ph type="title"/>
-          </p:nvPr>
-        </p:nvSpPr>
-        <p:spPr>
-          <a:xfrm>
-            <a:off x="838200" y="178313"/>
-            <a:ext cx="10515600" cy="1325563"/>
-          </a:xfrm>
-        </p:spPr>
-        <p:txBody>
-          <a:bodyPr/>
-          <a:lstStyle/>
-          <a:p>
-            <a:r>
-              <a:rPr lang="fr-FR" dirty="0"/>
-              <a:t>ACP : recherche d’effet de la zone</a:t>
-            </a:r>
-          </a:p>
-        </p:txBody>
-      </p:sp>
-      <p:pic>
-        <p:nvPicPr>
-          <p:cNvPr id="3" name="Image 2">
-            <a:extLst>
-              <a:ext uri="{FF2B5EF4-FFF2-40B4-BE49-F238E27FC236}">
-                <a16:creationId xmlns:a16="http://schemas.microsoft.com/office/drawing/2014/main" id="{23FDAD0F-43C4-4BF3-9123-71516B1F73B7}"/>
-              </a:ext>
-            </a:extLst>
-          </p:cNvPr>
-          <p:cNvPicPr>
-            <a:picLocks noChangeAspect="1"/>
-          </p:cNvPicPr>
-          <p:nvPr/>
-        </p:nvPicPr>
-        <p:blipFill rotWithShape="1">
-          <a:blip r:embed="rId2"/>
-          <a:srcRect l="17339" r="17742"/>
-          <a:stretch/>
-        </p:blipFill>
-        <p:spPr>
-          <a:xfrm>
-            <a:off x="303165" y="1520160"/>
-            <a:ext cx="6390967" cy="5137583"/>
-          </a:xfrm>
-          <a:prstGeom prst="rect">
-            <a:avLst/>
-          </a:prstGeom>
-        </p:spPr>
-      </p:pic>
-      <p:pic>
-        <p:nvPicPr>
-          <p:cNvPr id="7" name="Image 6">
-            <a:extLst>
-              <a:ext uri="{FF2B5EF4-FFF2-40B4-BE49-F238E27FC236}">
-                <a16:creationId xmlns:a16="http://schemas.microsoft.com/office/drawing/2014/main" id="{C90C769E-70B7-407B-88C2-BDFEDA744C77}"/>
-              </a:ext>
-            </a:extLst>
-          </p:cNvPr>
-          <p:cNvPicPr>
-            <a:picLocks noChangeAspect="1"/>
-          </p:cNvPicPr>
-          <p:nvPr/>
-        </p:nvPicPr>
-        <p:blipFill rotWithShape="1">
+        <p:blipFill>
           <a:blip r:embed="rId3">
             <a:extLst>
               <a:ext uri="{28A0092B-C50C-407E-A947-70E740481C1C}">
@@ -9566,17 +9080,29 @@
               </a:ext>
             </a:extLst>
           </a:blip>
-          <a:srcRect l="31290" t="15197" r="30806" b="15699"/>
-          <a:stretch/>
+          <a:srcRect/>
+          <a:stretch>
+            <a:fillRect/>
+          </a:stretch>
         </p:blipFill>
-        <p:spPr>
+        <p:spPr bwMode="auto">
           <a:xfrm>
-            <a:off x="6843251" y="1481505"/>
-            <a:ext cx="5159061" cy="5290783"/>
+            <a:off x="6953250" y="1312299"/>
+            <a:ext cx="5238750" cy="5476875"/>
           </a:xfrm>
           <a:prstGeom prst="rect">
             <a:avLst/>
           </a:prstGeom>
+          <a:noFill/>
+          <a:extLst>
+            <a:ext uri="{909E8E84-426E-40DD-AFC4-6F175D3DCCD1}">
+              <a14:hiddenFill xmlns:a14="http://schemas.microsoft.com/office/drawing/2010/main">
+                <a:solidFill>
+                  <a:srgbClr val="FFFFFF"/>
+                </a:solidFill>
+              </a14:hiddenFill>
+            </a:ext>
+          </a:extLst>
         </p:spPr>
       </p:pic>
       <p:pic>
@@ -9584,7 +9110,7 @@
           <p:cNvPr id="12" name="Image 11">
             <a:extLst>
               <a:ext uri="{FF2B5EF4-FFF2-40B4-BE49-F238E27FC236}">
-                <a16:creationId xmlns:a16="http://schemas.microsoft.com/office/drawing/2014/main" id="{4BD3C4B6-C32B-474C-80DC-EA6A2C2D11EE}"/>
+                <a16:creationId xmlns="" xmlns:a16="http://schemas.microsoft.com/office/drawing/2014/main" id="{4BD3C4B6-C32B-474C-80DC-EA6A2C2D11EE}"/>
               </a:ext>
             </a:extLst>
           </p:cNvPr>
@@ -9606,7 +9132,7 @@
         </p:blipFill>
         <p:spPr>
           <a:xfrm>
-            <a:off x="11353800" y="1995949"/>
+            <a:off x="11493910" y="1602659"/>
             <a:ext cx="383459" cy="678426"/>
           </a:xfrm>
           <a:prstGeom prst="rect">
@@ -9627,7 +9153,7 @@
 </p:sld>
 </file>
 
-<file path=ppt/slides/slide7.xml><?xml version="1.0" encoding="utf-8"?>
+<file path=ppt/slides/slide11.xml><?xml version="1.0" encoding="utf-8"?>
 <p:sld xmlns:a="http://schemas.openxmlformats.org/drawingml/2006/main" xmlns:r="http://schemas.openxmlformats.org/officeDocument/2006/relationships" xmlns:p="http://schemas.openxmlformats.org/presentationml/2006/main">
   <p:cSld>
     <p:spTree>
@@ -9649,7 +9175,7 @@
           <p:cNvPr id="2" name="Titre 1">
             <a:extLst>
               <a:ext uri="{FF2B5EF4-FFF2-40B4-BE49-F238E27FC236}">
-                <a16:creationId xmlns:a16="http://schemas.microsoft.com/office/drawing/2014/main" id="{955DAA4E-F8A9-402D-B2C1-64A4F3663B16}"/>
+                <a16:creationId xmlns="" xmlns:a16="http://schemas.microsoft.com/office/drawing/2014/main" id="{955DAA4E-F8A9-402D-B2C1-64A4F3663B16}"/>
               </a:ext>
             </a:extLst>
           </p:cNvPr>
@@ -9660,90 +9186,148 @@
             <p:ph type="title"/>
           </p:nvPr>
         </p:nvSpPr>
-        <p:spPr/>
+        <p:spPr>
+          <a:xfrm>
+            <a:off x="1976285" y="624110"/>
+            <a:ext cx="9528328" cy="1280890"/>
+          </a:xfrm>
+        </p:spPr>
         <p:txBody>
           <a:bodyPr/>
           <a:lstStyle/>
           <a:p>
+            <a:pPr algn="ctr"/>
             <a:r>
               <a:rPr lang="fr-FR" dirty="0"/>
-              <a:t>UMAP</a:t>
+              <a:t>UMAP (Uniform Manifold Approximation and Projection)</a:t>
             </a:r>
           </a:p>
         </p:txBody>
       </p:sp>
       <p:sp>
         <p:nvSpPr>
-          <p:cNvPr id="3" name="Espace réservé du contenu 2">
+          <p:cNvPr id="6" name="ZoneTexte 5">
             <a:extLst>
               <a:ext uri="{FF2B5EF4-FFF2-40B4-BE49-F238E27FC236}">
-                <a16:creationId xmlns:a16="http://schemas.microsoft.com/office/drawing/2014/main" id="{8EE93C04-495C-469D-8DBF-9EBC3673DA65}"/>
+                <a16:creationId xmlns="" xmlns:a16="http://schemas.microsoft.com/office/drawing/2014/main" id="{5D0D859E-A07F-4FE9-8658-673D21906FDE}"/>
               </a:ext>
             </a:extLst>
           </p:cNvPr>
-          <p:cNvSpPr>
-            <a:spLocks noGrp="1"/>
-          </p:cNvSpPr>
-          <p:nvPr>
-            <p:ph idx="1"/>
-          </p:nvPr>
-        </p:nvSpPr>
-        <p:spPr/>
+          <p:cNvSpPr txBox="1"/>
+          <p:nvPr/>
+        </p:nvSpPr>
+        <p:spPr>
+          <a:xfrm>
+            <a:off x="9104674" y="3429001"/>
+            <a:ext cx="3087325" cy="1477328"/>
+          </a:xfrm>
+          <a:prstGeom prst="rect">
+            <a:avLst/>
+          </a:prstGeom>
+          <a:noFill/>
+        </p:spPr>
         <p:txBody>
-          <a:bodyPr/>
+          <a:bodyPr wrap="square" rtlCol="0">
+            <a:spAutoFit/>
+          </a:bodyPr>
           <a:lstStyle/>
           <a:p>
             <a:r>
+              <a:rPr lang="fr-FR" u="sng" dirty="0"/>
+              <a:t>Paramètres par défaut :</a:t>
+            </a:r>
+          </a:p>
+          <a:p>
+            <a:endParaRPr lang="fr-FR" u="sng" dirty="0"/>
+          </a:p>
+          <a:p>
+            <a:pPr marL="285750" indent="-285750">
+              <a:buFont typeface="Arial" panose="020B0604020202020204" pitchFamily="34" charset="0"/>
+              <a:buChar char="•"/>
+            </a:pPr>
+            <a:r>
               <a:rPr lang="fr-FR" dirty="0"/>
-              <a:t>Représentation 2D avec paramètres par défaut</a:t>
-            </a:r>
-          </a:p>
-          <a:p>
+              <a:t>15 </a:t>
+            </a:r>
+            <a:r>
+              <a:rPr lang="fr-FR" dirty="0" err="1"/>
+              <a:t>ppv</a:t>
+            </a:r>
             <a:endParaRPr lang="fr-FR" dirty="0"/>
           </a:p>
           <a:p>
+            <a:pPr marL="285750" indent="-285750">
+              <a:buFont typeface="Arial" panose="020B0604020202020204" pitchFamily="34" charset="0"/>
+              <a:buChar char="•"/>
+            </a:pPr>
             <a:r>
               <a:rPr lang="fr-FR" dirty="0"/>
-              <a:t>Représentation 2D avec différents tests des paramètres (lesquels? Cf photos git) </a:t>
-            </a:r>
-          </a:p>
-          <a:p>
-            <a:endParaRPr lang="fr-FR" dirty="0"/>
-          </a:p>
-          <a:p>
+              <a:t>Métrique euclidienne</a:t>
+            </a:r>
+          </a:p>
+          <a:p>
+            <a:pPr marL="285750" indent="-285750">
+              <a:buFont typeface="Arial" panose="020B0604020202020204" pitchFamily="34" charset="0"/>
+              <a:buChar char="•"/>
+            </a:pPr>
             <a:r>
               <a:rPr lang="fr-FR" dirty="0"/>
-              <a:t>Représentation 3D ? (il faut packages ‘</a:t>
-            </a:r>
-            <a:r>
-              <a:rPr lang="fr-FR" dirty="0" err="1"/>
-              <a:t>rgl</a:t>
-            </a:r>
-            <a:r>
-              <a:rPr lang="fr-FR" dirty="0"/>
-              <a:t>’ et ‘</a:t>
-            </a:r>
-            <a:r>
-              <a:rPr lang="fr-FR" dirty="0" err="1"/>
-              <a:t>umap</a:t>
-            </a:r>
-            <a:r>
-              <a:rPr lang="fr-FR" dirty="0"/>
-              <a:t>’)</a:t>
-            </a:r>
-          </a:p>
-          <a:p>
-            <a:endParaRPr lang="fr-FR" dirty="0"/>
-          </a:p>
-          <a:p>
-            <a:endParaRPr lang="fr-FR" dirty="0"/>
+              <a:t>Distance minimum 0,1</a:t>
+            </a:r>
           </a:p>
         </p:txBody>
       </p:sp>
+      <p:pic>
+        <p:nvPicPr>
+          <p:cNvPr id="1026" name="Picture 2">
+            <a:extLst>
+              <a:ext uri="{FF2B5EF4-FFF2-40B4-BE49-F238E27FC236}">
+                <a16:creationId xmlns="" xmlns:a16="http://schemas.microsoft.com/office/drawing/2014/main" id="{284DF08C-6467-46B9-9864-D9545F4EC672}"/>
+              </a:ext>
+            </a:extLst>
+          </p:cNvPr>
+          <p:cNvPicPr>
+            <a:picLocks noChangeAspect="1" noChangeArrowheads="1"/>
+          </p:cNvPicPr>
+          <p:nvPr/>
+        </p:nvPicPr>
+        <p:blipFill>
+          <a:blip r:embed="rId2">
+            <a:extLst>
+              <a:ext uri="{28A0092B-C50C-407E-A947-70E740481C1C}">
+                <a14:useLocalDpi xmlns:a14="http://schemas.microsoft.com/office/drawing/2010/main" val="0"/>
+              </a:ext>
+            </a:extLst>
+          </a:blip>
+          <a:srcRect/>
+          <a:stretch>
+            <a:fillRect/>
+          </a:stretch>
+        </p:blipFill>
+        <p:spPr bwMode="auto">
+          <a:xfrm>
+            <a:off x="9821" y="1899230"/>
+            <a:ext cx="9193174" cy="4745019"/>
+          </a:xfrm>
+          <a:prstGeom prst="rect">
+            <a:avLst/>
+          </a:prstGeom>
+          <a:noFill/>
+          <a:extLst>
+            <a:ext uri="{909E8E84-426E-40DD-AFC4-6F175D3DCCD1}">
+              <a14:hiddenFill xmlns:a14="http://schemas.microsoft.com/office/drawing/2010/main">
+                <a:solidFill>
+                  <a:srgbClr val="FFFFFF"/>
+                </a:solidFill>
+              </a14:hiddenFill>
+            </a:ext>
+          </a:extLst>
+        </p:spPr>
+      </p:pic>
     </p:spTree>
     <p:extLst>
       <p:ext uri="{BB962C8B-B14F-4D97-AF65-F5344CB8AC3E}">
-        <p14:creationId xmlns:p14="http://schemas.microsoft.com/office/powerpoint/2010/main" val="1181647196"/>
+        <p14:creationId xmlns:p14="http://schemas.microsoft.com/office/powerpoint/2010/main" val="1803309601"/>
       </p:ext>
     </p:extLst>
   </p:cSld>
@@ -9753,7 +9337,484 @@
 </p:sld>
 </file>
 
-<file path=ppt/slides/slide8.xml><?xml version="1.0" encoding="utf-8"?>
+<file path=ppt/slides/slide12.xml><?xml version="1.0" encoding="utf-8"?>
+<p:sld xmlns:a="http://schemas.openxmlformats.org/drawingml/2006/main" xmlns:r="http://schemas.openxmlformats.org/officeDocument/2006/relationships" xmlns:p="http://schemas.openxmlformats.org/presentationml/2006/main">
+  <p:cSld>
+    <p:spTree>
+      <p:nvGrpSpPr>
+        <p:cNvPr id="1" name=""/>
+        <p:cNvGrpSpPr/>
+        <p:nvPr/>
+      </p:nvGrpSpPr>
+      <p:grpSpPr>
+        <a:xfrm>
+          <a:off x="0" y="0"/>
+          <a:ext cx="0" cy="0"/>
+          <a:chOff x="0" y="0"/>
+          <a:chExt cx="0" cy="0"/>
+        </a:xfrm>
+      </p:grpSpPr>
+      <p:sp>
+        <p:nvSpPr>
+          <p:cNvPr id="2" name="Titre 1">
+            <a:extLst>
+              <a:ext uri="{FF2B5EF4-FFF2-40B4-BE49-F238E27FC236}">
+                <a16:creationId xmlns="" xmlns:a16="http://schemas.microsoft.com/office/drawing/2014/main" id="{B0C685AB-3B29-4BAE-894F-870F63CFDE88}"/>
+              </a:ext>
+            </a:extLst>
+          </p:cNvPr>
+          <p:cNvSpPr>
+            <a:spLocks noGrp="1"/>
+          </p:cNvSpPr>
+          <p:nvPr>
+            <p:ph type="title"/>
+          </p:nvPr>
+        </p:nvSpPr>
+        <p:spPr>
+          <a:xfrm>
+            <a:off x="2654710" y="309478"/>
+            <a:ext cx="7659330" cy="1280890"/>
+          </a:xfrm>
+        </p:spPr>
+        <p:txBody>
+          <a:bodyPr/>
+          <a:lstStyle/>
+          <a:p>
+            <a:pPr algn="ctr"/>
+            <a:r>
+              <a:rPr lang="fr-FR" dirty="0"/>
+              <a:t>Variation du paramètre du nombre de plus proches voisins</a:t>
+            </a:r>
+          </a:p>
+        </p:txBody>
+      </p:sp>
+      <p:pic>
+        <p:nvPicPr>
+          <p:cNvPr id="2050" name="Picture 2">
+            <a:extLst>
+              <a:ext uri="{FF2B5EF4-FFF2-40B4-BE49-F238E27FC236}">
+                <a16:creationId xmlns="" xmlns:a16="http://schemas.microsoft.com/office/drawing/2014/main" id="{41F6E9F5-4D18-4ED9-98BC-139EF38BFCFF}"/>
+              </a:ext>
+            </a:extLst>
+          </p:cNvPr>
+          <p:cNvPicPr>
+            <a:picLocks noChangeAspect="1" noChangeArrowheads="1"/>
+          </p:cNvPicPr>
+          <p:nvPr/>
+        </p:nvPicPr>
+        <p:blipFill>
+          <a:blip r:embed="rId2">
+            <a:extLst>
+              <a:ext uri="{28A0092B-C50C-407E-A947-70E740481C1C}">
+                <a14:useLocalDpi xmlns:a14="http://schemas.microsoft.com/office/drawing/2010/main" val="0"/>
+              </a:ext>
+            </a:extLst>
+          </a:blip>
+          <a:srcRect/>
+          <a:stretch>
+            <a:fillRect/>
+          </a:stretch>
+        </p:blipFill>
+        <p:spPr bwMode="auto">
+          <a:xfrm>
+            <a:off x="1125353" y="1474839"/>
+            <a:ext cx="10429536" cy="5383161"/>
+          </a:xfrm>
+          <a:prstGeom prst="rect">
+            <a:avLst/>
+          </a:prstGeom>
+          <a:noFill/>
+          <a:extLst>
+            <a:ext uri="{909E8E84-426E-40DD-AFC4-6F175D3DCCD1}">
+              <a14:hiddenFill xmlns:a14="http://schemas.microsoft.com/office/drawing/2010/main">
+                <a:solidFill>
+                  <a:srgbClr val="FFFFFF"/>
+                </a:solidFill>
+              </a14:hiddenFill>
+            </a:ext>
+          </a:extLst>
+        </p:spPr>
+      </p:pic>
+    </p:spTree>
+    <p:extLst>
+      <p:ext uri="{BB962C8B-B14F-4D97-AF65-F5344CB8AC3E}">
+        <p14:creationId xmlns:p14="http://schemas.microsoft.com/office/powerpoint/2010/main" val="873798410"/>
+      </p:ext>
+    </p:extLst>
+  </p:cSld>
+  <p:clrMapOvr>
+    <a:masterClrMapping/>
+  </p:clrMapOvr>
+</p:sld>
+</file>
+
+<file path=ppt/slides/slide13.xml><?xml version="1.0" encoding="utf-8"?>
+<p:sld xmlns:a="http://schemas.openxmlformats.org/drawingml/2006/main" xmlns:r="http://schemas.openxmlformats.org/officeDocument/2006/relationships" xmlns:p="http://schemas.openxmlformats.org/presentationml/2006/main">
+  <p:cSld>
+    <p:spTree>
+      <p:nvGrpSpPr>
+        <p:cNvPr id="1" name=""/>
+        <p:cNvGrpSpPr/>
+        <p:nvPr/>
+      </p:nvGrpSpPr>
+      <p:grpSpPr>
+        <a:xfrm>
+          <a:off x="0" y="0"/>
+          <a:ext cx="0" cy="0"/>
+          <a:chOff x="0" y="0"/>
+          <a:chExt cx="0" cy="0"/>
+        </a:xfrm>
+      </p:grpSpPr>
+      <p:sp>
+        <p:nvSpPr>
+          <p:cNvPr id="5" name="Titre 1">
+            <a:extLst>
+              <a:ext uri="{FF2B5EF4-FFF2-40B4-BE49-F238E27FC236}">
+                <a16:creationId xmlns="" xmlns:a16="http://schemas.microsoft.com/office/drawing/2014/main" id="{F017C25E-941B-4F4B-875F-A0BEC48264A6}"/>
+              </a:ext>
+            </a:extLst>
+          </p:cNvPr>
+          <p:cNvSpPr txBox="1">
+            <a:spLocks/>
+          </p:cNvSpPr>
+          <p:nvPr/>
+        </p:nvSpPr>
+        <p:spPr>
+          <a:xfrm>
+            <a:off x="2654710" y="260317"/>
+            <a:ext cx="7659330" cy="1280890"/>
+          </a:xfrm>
+          <a:prstGeom prst="rect">
+            <a:avLst/>
+          </a:prstGeom>
+        </p:spPr>
+        <p:txBody>
+          <a:bodyPr vert="horz" lIns="91440" tIns="45720" rIns="91440" bIns="45720" rtlCol="0" anchor="t">
+            <a:normAutofit/>
+          </a:bodyPr>
+          <a:lstStyle>
+            <a:lvl1pPr algn="l" defTabSz="457200" rtl="0" eaLnBrk="1" latinLnBrk="0" hangingPunct="1">
+              <a:spcBef>
+                <a:spcPct val="0"/>
+              </a:spcBef>
+              <a:buNone/>
+              <a:defRPr sz="3600" kern="1200">
+                <a:solidFill>
+                  <a:schemeClr val="tx1">
+                    <a:lumMod val="85000"/>
+                    <a:lumOff val="15000"/>
+                  </a:schemeClr>
+                </a:solidFill>
+                <a:latin typeface="+mj-lt"/>
+                <a:ea typeface="+mj-ea"/>
+                <a:cs typeface="+mj-cs"/>
+              </a:defRPr>
+            </a:lvl1pPr>
+            <a:lvl2pPr eaLnBrk="1" hangingPunct="1">
+              <a:defRPr>
+                <a:solidFill>
+                  <a:schemeClr val="tx2"/>
+                </a:solidFill>
+              </a:defRPr>
+            </a:lvl2pPr>
+            <a:lvl3pPr eaLnBrk="1" hangingPunct="1">
+              <a:defRPr>
+                <a:solidFill>
+                  <a:schemeClr val="tx2"/>
+                </a:solidFill>
+              </a:defRPr>
+            </a:lvl3pPr>
+            <a:lvl4pPr eaLnBrk="1" hangingPunct="1">
+              <a:defRPr>
+                <a:solidFill>
+                  <a:schemeClr val="tx2"/>
+                </a:solidFill>
+              </a:defRPr>
+            </a:lvl4pPr>
+            <a:lvl5pPr eaLnBrk="1" hangingPunct="1">
+              <a:defRPr>
+                <a:solidFill>
+                  <a:schemeClr val="tx2"/>
+                </a:solidFill>
+              </a:defRPr>
+            </a:lvl5pPr>
+            <a:lvl6pPr eaLnBrk="1" hangingPunct="1">
+              <a:defRPr>
+                <a:solidFill>
+                  <a:schemeClr val="tx2"/>
+                </a:solidFill>
+              </a:defRPr>
+            </a:lvl6pPr>
+            <a:lvl7pPr eaLnBrk="1" hangingPunct="1">
+              <a:defRPr>
+                <a:solidFill>
+                  <a:schemeClr val="tx2"/>
+                </a:solidFill>
+              </a:defRPr>
+            </a:lvl7pPr>
+            <a:lvl8pPr eaLnBrk="1" hangingPunct="1">
+              <a:defRPr>
+                <a:solidFill>
+                  <a:schemeClr val="tx2"/>
+                </a:solidFill>
+              </a:defRPr>
+            </a:lvl8pPr>
+            <a:lvl9pPr eaLnBrk="1" hangingPunct="1">
+              <a:defRPr>
+                <a:solidFill>
+                  <a:schemeClr val="tx2"/>
+                </a:solidFill>
+              </a:defRPr>
+            </a:lvl9pPr>
+          </a:lstStyle>
+          <a:p>
+            <a:pPr algn="ctr"/>
+            <a:r>
+              <a:rPr lang="fr-FR" dirty="0"/>
+              <a:t>Variation du paramètre de la distance minimum</a:t>
+            </a:r>
+          </a:p>
+        </p:txBody>
+      </p:sp>
+      <p:pic>
+        <p:nvPicPr>
+          <p:cNvPr id="3074" name="Picture 2">
+            <a:extLst>
+              <a:ext uri="{FF2B5EF4-FFF2-40B4-BE49-F238E27FC236}">
+                <a16:creationId xmlns="" xmlns:a16="http://schemas.microsoft.com/office/drawing/2014/main" id="{BA041325-B2D4-4C63-83A7-DCDF38C91B62}"/>
+              </a:ext>
+            </a:extLst>
+          </p:cNvPr>
+          <p:cNvPicPr>
+            <a:picLocks noChangeAspect="1" noChangeArrowheads="1"/>
+          </p:cNvPicPr>
+          <p:nvPr/>
+        </p:nvPicPr>
+        <p:blipFill>
+          <a:blip r:embed="rId2">
+            <a:extLst>
+              <a:ext uri="{28A0092B-C50C-407E-A947-70E740481C1C}">
+                <a14:useLocalDpi xmlns:a14="http://schemas.microsoft.com/office/drawing/2010/main" val="0"/>
+              </a:ext>
+            </a:extLst>
+          </a:blip>
+          <a:srcRect/>
+          <a:stretch>
+            <a:fillRect/>
+          </a:stretch>
+        </p:blipFill>
+        <p:spPr bwMode="auto">
+          <a:xfrm>
+            <a:off x="1219199" y="1465006"/>
+            <a:ext cx="10448586" cy="5392994"/>
+          </a:xfrm>
+          <a:prstGeom prst="rect">
+            <a:avLst/>
+          </a:prstGeom>
+          <a:noFill/>
+          <a:extLst>
+            <a:ext uri="{909E8E84-426E-40DD-AFC4-6F175D3DCCD1}">
+              <a14:hiddenFill xmlns:a14="http://schemas.microsoft.com/office/drawing/2010/main">
+                <a:solidFill>
+                  <a:srgbClr val="FFFFFF"/>
+                </a:solidFill>
+              </a14:hiddenFill>
+            </a:ext>
+          </a:extLst>
+        </p:spPr>
+      </p:pic>
+    </p:spTree>
+    <p:extLst>
+      <p:ext uri="{BB962C8B-B14F-4D97-AF65-F5344CB8AC3E}">
+        <p14:creationId xmlns:p14="http://schemas.microsoft.com/office/powerpoint/2010/main" val="3023017620"/>
+      </p:ext>
+    </p:extLst>
+  </p:cSld>
+  <p:clrMapOvr>
+    <a:masterClrMapping/>
+  </p:clrMapOvr>
+</p:sld>
+</file>
+
+<file path=ppt/slides/slide14.xml><?xml version="1.0" encoding="utf-8"?>
+<p:sld xmlns:a="http://schemas.openxmlformats.org/drawingml/2006/main" xmlns:r="http://schemas.openxmlformats.org/officeDocument/2006/relationships" xmlns:p="http://schemas.openxmlformats.org/presentationml/2006/main">
+  <p:cSld>
+    <p:spTree>
+      <p:nvGrpSpPr>
+        <p:cNvPr id="1" name=""/>
+        <p:cNvGrpSpPr/>
+        <p:nvPr/>
+      </p:nvGrpSpPr>
+      <p:grpSpPr>
+        <a:xfrm>
+          <a:off x="0" y="0"/>
+          <a:ext cx="0" cy="0"/>
+          <a:chOff x="0" y="0"/>
+          <a:chExt cx="0" cy="0"/>
+        </a:xfrm>
+      </p:grpSpPr>
+      <p:sp>
+        <p:nvSpPr>
+          <p:cNvPr id="2" name="Titre 1">
+            <a:extLst>
+              <a:ext uri="{FF2B5EF4-FFF2-40B4-BE49-F238E27FC236}">
+                <a16:creationId xmlns="" xmlns:a16="http://schemas.microsoft.com/office/drawing/2014/main" id="{BFE1811E-29E6-411E-B17C-E10A82DF4F73}"/>
+              </a:ext>
+            </a:extLst>
+          </p:cNvPr>
+          <p:cNvSpPr>
+            <a:spLocks noGrp="1"/>
+          </p:cNvSpPr>
+          <p:nvPr>
+            <p:ph type="title"/>
+          </p:nvPr>
+        </p:nvSpPr>
+        <p:spPr/>
+        <p:txBody>
+          <a:bodyPr/>
+          <a:lstStyle/>
+          <a:p>
+            <a:r>
+              <a:rPr lang="fr-FR" dirty="0"/>
+              <a:t>Choix final des paramètres </a:t>
+            </a:r>
+          </a:p>
+        </p:txBody>
+      </p:sp>
+      <p:pic>
+        <p:nvPicPr>
+          <p:cNvPr id="6146" name="Picture 2">
+            <a:extLst>
+              <a:ext uri="{FF2B5EF4-FFF2-40B4-BE49-F238E27FC236}">
+                <a16:creationId xmlns="" xmlns:a16="http://schemas.microsoft.com/office/drawing/2014/main" id="{E271B24B-DC17-4A79-AA82-76341E30E2A4}"/>
+              </a:ext>
+            </a:extLst>
+          </p:cNvPr>
+          <p:cNvPicPr>
+            <a:picLocks noChangeAspect="1" noChangeArrowheads="1"/>
+          </p:cNvPicPr>
+          <p:nvPr/>
+        </p:nvPicPr>
+        <p:blipFill>
+          <a:blip r:embed="rId2">
+            <a:extLst>
+              <a:ext uri="{28A0092B-C50C-407E-A947-70E740481C1C}">
+                <a14:useLocalDpi xmlns:a14="http://schemas.microsoft.com/office/drawing/2010/main" val="0"/>
+              </a:ext>
+            </a:extLst>
+          </a:blip>
+          <a:srcRect/>
+          <a:stretch>
+            <a:fillRect/>
+          </a:stretch>
+        </p:blipFill>
+        <p:spPr bwMode="auto">
+          <a:xfrm>
+            <a:off x="127820" y="1858296"/>
+            <a:ext cx="9134178" cy="4714568"/>
+          </a:xfrm>
+          <a:prstGeom prst="rect">
+            <a:avLst/>
+          </a:prstGeom>
+          <a:noFill/>
+          <a:extLst>
+            <a:ext uri="{909E8E84-426E-40DD-AFC4-6F175D3DCCD1}">
+              <a14:hiddenFill xmlns:a14="http://schemas.microsoft.com/office/drawing/2010/main">
+                <a:solidFill>
+                  <a:srgbClr val="FFFFFF"/>
+                </a:solidFill>
+              </a14:hiddenFill>
+            </a:ext>
+          </a:extLst>
+        </p:spPr>
+      </p:pic>
+      <p:sp>
+        <p:nvSpPr>
+          <p:cNvPr id="6" name="ZoneTexte 5">
+            <a:extLst>
+              <a:ext uri="{FF2B5EF4-FFF2-40B4-BE49-F238E27FC236}">
+                <a16:creationId xmlns="" xmlns:a16="http://schemas.microsoft.com/office/drawing/2014/main" id="{C006F509-7F44-4F15-983E-747718716754}"/>
+              </a:ext>
+            </a:extLst>
+          </p:cNvPr>
+          <p:cNvSpPr txBox="1"/>
+          <p:nvPr/>
+        </p:nvSpPr>
+        <p:spPr>
+          <a:xfrm>
+            <a:off x="9261998" y="3350342"/>
+            <a:ext cx="3087325" cy="1477328"/>
+          </a:xfrm>
+          <a:prstGeom prst="rect">
+            <a:avLst/>
+          </a:prstGeom>
+          <a:noFill/>
+        </p:spPr>
+        <p:txBody>
+          <a:bodyPr wrap="square" rtlCol="0">
+            <a:spAutoFit/>
+          </a:bodyPr>
+          <a:lstStyle/>
+          <a:p>
+            <a:r>
+              <a:rPr lang="fr-FR" u="sng" dirty="0"/>
+              <a:t>Paramètres choisis :</a:t>
+            </a:r>
+          </a:p>
+          <a:p>
+            <a:endParaRPr lang="fr-FR" u="sng" dirty="0"/>
+          </a:p>
+          <a:p>
+            <a:pPr marL="285750" indent="-285750">
+              <a:buFont typeface="Arial" panose="020B0604020202020204" pitchFamily="34" charset="0"/>
+              <a:buChar char="•"/>
+            </a:pPr>
+            <a:r>
+              <a:rPr lang="fr-FR" dirty="0"/>
+              <a:t>5 </a:t>
+            </a:r>
+            <a:r>
+              <a:rPr lang="fr-FR" dirty="0" err="1"/>
+              <a:t>ppv</a:t>
+            </a:r>
+            <a:endParaRPr lang="fr-FR" dirty="0"/>
+          </a:p>
+          <a:p>
+            <a:pPr marL="285750" indent="-285750">
+              <a:buFont typeface="Arial" panose="020B0604020202020204" pitchFamily="34" charset="0"/>
+              <a:buChar char="•"/>
+            </a:pPr>
+            <a:r>
+              <a:rPr lang="fr-FR" dirty="0"/>
+              <a:t>Métrique euclidienne</a:t>
+            </a:r>
+          </a:p>
+          <a:p>
+            <a:pPr marL="285750" indent="-285750">
+              <a:buFont typeface="Arial" panose="020B0604020202020204" pitchFamily="34" charset="0"/>
+              <a:buChar char="•"/>
+            </a:pPr>
+            <a:r>
+              <a:rPr lang="fr-FR" dirty="0"/>
+              <a:t>Distance minimum 0,1</a:t>
+            </a:r>
+          </a:p>
+        </p:txBody>
+      </p:sp>
+    </p:spTree>
+    <p:extLst>
+      <p:ext uri="{BB962C8B-B14F-4D97-AF65-F5344CB8AC3E}">
+        <p14:creationId xmlns:p14="http://schemas.microsoft.com/office/powerpoint/2010/main" val="2501658695"/>
+      </p:ext>
+    </p:extLst>
+  </p:cSld>
+  <p:clrMapOvr>
+    <a:masterClrMapping/>
+  </p:clrMapOvr>
+</p:sld>
+</file>
+
+<file path=ppt/slides/slide15.xml><?xml version="1.0" encoding="utf-8"?>
 <p:sld xmlns:a="http://schemas.openxmlformats.org/drawingml/2006/main" xmlns:r="http://schemas.openxmlformats.org/officeDocument/2006/relationships" xmlns:p="http://schemas.openxmlformats.org/presentationml/2006/main">
   <p:cSld>
     <p:bg>
@@ -9783,10 +9844,10 @@
           <p:cNvPr id="34" name="Rectangle 33">
             <a:extLst>
               <a:ext uri="{FF2B5EF4-FFF2-40B4-BE49-F238E27FC236}">
-                <a16:creationId xmlns:a16="http://schemas.microsoft.com/office/drawing/2014/main" id="{CD306B45-25EE-434D-ABA9-A27B79320CFF}"/>
+                <a16:creationId xmlns="" xmlns:a16="http://schemas.microsoft.com/office/drawing/2014/main" id="{CD306B45-25EE-434D-ABA9-A27B79320CFF}"/>
               </a:ext>
               <a:ext uri="{C183D7F6-B498-43B3-948B-1728B52AA6E4}">
-                <adec:decorative xmlns:adec="http://schemas.microsoft.com/office/drawing/2017/decorative" val="1"/>
+                <adec:decorative xmlns="" xmlns:adec="http://schemas.microsoft.com/office/drawing/2017/decorative" val="1"/>
               </a:ext>
             </a:extLst>
           </p:cNvPr>
@@ -9796,7 +9857,7 @@
           <p:nvPr>
             <p:extLst>
               <p:ext uri="{386F3935-93C4-4BCD-93E2-E3B085C9AB24}">
-                <p16:designElem xmlns:p16="http://schemas.microsoft.com/office/powerpoint/2015/main" val="1"/>
+                <p16:designElem xmlns="" xmlns:p16="http://schemas.microsoft.com/office/powerpoint/2015/main" val="1"/>
               </p:ext>
             </p:extLst>
           </p:nvPr>
@@ -9843,7 +9904,7 @@
           <p:cNvPr id="2" name="Titre 1">
             <a:extLst>
               <a:ext uri="{FF2B5EF4-FFF2-40B4-BE49-F238E27FC236}">
-                <a16:creationId xmlns:a16="http://schemas.microsoft.com/office/drawing/2014/main" id="{CA78CAE8-5B1C-4489-9425-65E6601B308A}"/>
+                <a16:creationId xmlns="" xmlns:a16="http://schemas.microsoft.com/office/drawing/2014/main" id="{CA78CAE8-5B1C-4489-9425-65E6601B308A}"/>
               </a:ext>
             </a:extLst>
           </p:cNvPr>
@@ -9884,10 +9945,10 @@
           <p:cNvPr id="36" name="Rectangle 35">
             <a:extLst>
               <a:ext uri="{FF2B5EF4-FFF2-40B4-BE49-F238E27FC236}">
-                <a16:creationId xmlns:a16="http://schemas.microsoft.com/office/drawing/2014/main" id="{0A42F85E-4939-431E-8B4A-EC07C8E0AB65}"/>
+                <a16:creationId xmlns="" xmlns:a16="http://schemas.microsoft.com/office/drawing/2014/main" id="{0A42F85E-4939-431E-8B4A-EC07C8E0AB65}"/>
               </a:ext>
               <a:ext uri="{C183D7F6-B498-43B3-948B-1728B52AA6E4}">
-                <adec:decorative xmlns:adec="http://schemas.microsoft.com/office/drawing/2017/decorative" val="1"/>
+                <adec:decorative xmlns="" xmlns:adec="http://schemas.microsoft.com/office/drawing/2017/decorative" val="1"/>
               </a:ext>
             </a:extLst>
           </p:cNvPr>
@@ -9897,7 +9958,7 @@
           <p:nvPr>
             <p:extLst>
               <p:ext uri="{386F3935-93C4-4BCD-93E2-E3B085C9AB24}">
-                <p16:designElem xmlns:p16="http://schemas.microsoft.com/office/powerpoint/2015/main" val="1"/>
+                <p16:designElem xmlns="" xmlns:p16="http://schemas.microsoft.com/office/powerpoint/2015/main" val="1"/>
               </p:ext>
             </p:extLst>
           </p:nvPr>
@@ -9938,10 +9999,10 @@
           <p:cNvPr id="38" name="Straight Connector 37">
             <a:extLst>
               <a:ext uri="{FF2B5EF4-FFF2-40B4-BE49-F238E27FC236}">
-                <a16:creationId xmlns:a16="http://schemas.microsoft.com/office/drawing/2014/main" id="{27EBB3F9-D6F7-4F6A-8843-9FEBA15E4969}"/>
+                <a16:creationId xmlns="" xmlns:a16="http://schemas.microsoft.com/office/drawing/2014/main" id="{27EBB3F9-D6F7-4F6A-8843-9FEBA15E4969}"/>
               </a:ext>
               <a:ext uri="{C183D7F6-B498-43B3-948B-1728B52AA6E4}">
-                <adec:decorative xmlns:adec="http://schemas.microsoft.com/office/drawing/2017/decorative" val="1"/>
+                <adec:decorative xmlns="" xmlns:adec="http://schemas.microsoft.com/office/drawing/2017/decorative" val="1"/>
               </a:ext>
             </a:extLst>
           </p:cNvPr>
@@ -9951,7 +10012,7 @@
           <p:nvPr>
             <p:extLst>
               <p:ext uri="{386F3935-93C4-4BCD-93E2-E3B085C9AB24}">
-                <p16:designElem xmlns:p16="http://schemas.microsoft.com/office/powerpoint/2015/main" val="1"/>
+                <p16:designElem xmlns="" xmlns:p16="http://schemas.microsoft.com/office/powerpoint/2015/main" val="1"/>
               </p:ext>
             </p:extLst>
           </p:nvPr>
@@ -9990,10 +10051,10 @@
           <p:cNvPr id="53" name="Group 39">
             <a:extLst>
               <a:ext uri="{FF2B5EF4-FFF2-40B4-BE49-F238E27FC236}">
-                <a16:creationId xmlns:a16="http://schemas.microsoft.com/office/drawing/2014/main" id="{5D2B17EF-74EB-4C33-B2E2-8E727B2E7D68}"/>
+                <a16:creationId xmlns="" xmlns:a16="http://schemas.microsoft.com/office/drawing/2014/main" id="{5D2B17EF-74EB-4C33-B2E2-8E727B2E7D68}"/>
               </a:ext>
               <a:ext uri="{C183D7F6-B498-43B3-948B-1728B52AA6E4}">
-                <adec:decorative xmlns:adec="http://schemas.microsoft.com/office/drawing/2017/decorative" val="1"/>
+                <adec:decorative xmlns="" xmlns:adec="http://schemas.microsoft.com/office/drawing/2017/decorative" val="1"/>
               </a:ext>
             </a:extLst>
           </p:cNvPr>
@@ -10003,7 +10064,7 @@
           <p:nvPr>
             <p:extLst>
               <p:ext uri="{386F3935-93C4-4BCD-93E2-E3B085C9AB24}">
-                <p16:designElem xmlns:p16="http://schemas.microsoft.com/office/powerpoint/2015/main" val="1"/>
+                <p16:designElem xmlns="" xmlns:p16="http://schemas.microsoft.com/office/powerpoint/2015/main" val="1"/>
               </p:ext>
             </p:extLst>
           </p:nvPr>
@@ -10026,10 +10087,10 @@
             <p:cNvPr id="54" name="Freeform 11">
               <a:extLst>
                 <a:ext uri="{FF2B5EF4-FFF2-40B4-BE49-F238E27FC236}">
-                  <a16:creationId xmlns:a16="http://schemas.microsoft.com/office/drawing/2014/main" id="{0A5F1F8A-3206-4B86-883F-65E98BB6E475}"/>
+                  <a16:creationId xmlns="" xmlns:a16="http://schemas.microsoft.com/office/drawing/2014/main" id="{0A5F1F8A-3206-4B86-883F-65E98BB6E475}"/>
                 </a:ext>
                 <a:ext uri="{C183D7F6-B498-43B3-948B-1728B52AA6E4}">
-                  <adec:decorative xmlns:adec="http://schemas.microsoft.com/office/drawing/2017/decorative" val="1"/>
+                  <adec:decorative xmlns="" xmlns:adec="http://schemas.microsoft.com/office/drawing/2017/decorative" val="1"/>
                 </a:ext>
               </a:extLst>
             </p:cNvPr>
@@ -10037,7 +10098,7 @@
             <p:nvPr>
               <p:extLst>
                 <p:ext uri="{386F3935-93C4-4BCD-93E2-E3B085C9AB24}">
-                  <p16:designElem xmlns:p16="http://schemas.microsoft.com/office/powerpoint/2015/main" val="1"/>
+                  <p16:designElem xmlns="" xmlns:p16="http://schemas.microsoft.com/office/powerpoint/2015/main" val="1"/>
                 </p:ext>
               </p:extLst>
             </p:nvPr>
@@ -10098,10 +10159,10 @@
             <p:cNvPr id="42" name="Freeform 12">
               <a:extLst>
                 <a:ext uri="{FF2B5EF4-FFF2-40B4-BE49-F238E27FC236}">
-                  <a16:creationId xmlns:a16="http://schemas.microsoft.com/office/drawing/2014/main" id="{6935F8C7-CC88-4243-9786-F3CDBF04A09F}"/>
+                  <a16:creationId xmlns="" xmlns:a16="http://schemas.microsoft.com/office/drawing/2014/main" id="{6935F8C7-CC88-4243-9786-F3CDBF04A09F}"/>
                 </a:ext>
                 <a:ext uri="{C183D7F6-B498-43B3-948B-1728B52AA6E4}">
-                  <adec:decorative xmlns:adec="http://schemas.microsoft.com/office/drawing/2017/decorative" val="1"/>
+                  <adec:decorative xmlns="" xmlns:adec="http://schemas.microsoft.com/office/drawing/2017/decorative" val="1"/>
                 </a:ext>
               </a:extLst>
             </p:cNvPr>
@@ -10109,7 +10170,7 @@
             <p:nvPr>
               <p:extLst>
                 <p:ext uri="{386F3935-93C4-4BCD-93E2-E3B085C9AB24}">
-                  <p16:designElem xmlns:p16="http://schemas.microsoft.com/office/powerpoint/2015/main" val="1"/>
+                  <p16:designElem xmlns="" xmlns:p16="http://schemas.microsoft.com/office/powerpoint/2015/main" val="1"/>
                 </p:ext>
               </p:extLst>
             </p:nvPr>
@@ -10175,10 +10236,10 @@
             <p:cNvPr id="43" name="Freeform 13">
               <a:extLst>
                 <a:ext uri="{FF2B5EF4-FFF2-40B4-BE49-F238E27FC236}">
-                  <a16:creationId xmlns:a16="http://schemas.microsoft.com/office/drawing/2014/main" id="{9AF7BAD9-71B3-40D8-A089-EFF7FE67BD66}"/>
+                  <a16:creationId xmlns="" xmlns:a16="http://schemas.microsoft.com/office/drawing/2014/main" id="{9AF7BAD9-71B3-40D8-A089-EFF7FE67BD66}"/>
                 </a:ext>
                 <a:ext uri="{C183D7F6-B498-43B3-948B-1728B52AA6E4}">
-                  <adec:decorative xmlns:adec="http://schemas.microsoft.com/office/drawing/2017/decorative" val="1"/>
+                  <adec:decorative xmlns="" xmlns:adec="http://schemas.microsoft.com/office/drawing/2017/decorative" val="1"/>
                 </a:ext>
               </a:extLst>
             </p:cNvPr>
@@ -10186,7 +10247,7 @@
             <p:nvPr>
               <p:extLst>
                 <p:ext uri="{386F3935-93C4-4BCD-93E2-E3B085C9AB24}">
-                  <p16:designElem xmlns:p16="http://schemas.microsoft.com/office/powerpoint/2015/main" val="1"/>
+                  <p16:designElem xmlns="" xmlns:p16="http://schemas.microsoft.com/office/powerpoint/2015/main" val="1"/>
                 </p:ext>
               </p:extLst>
             </p:nvPr>
@@ -10257,10 +10318,10 @@
             <p:cNvPr id="44" name="Freeform 14">
               <a:extLst>
                 <a:ext uri="{FF2B5EF4-FFF2-40B4-BE49-F238E27FC236}">
-                  <a16:creationId xmlns:a16="http://schemas.microsoft.com/office/drawing/2014/main" id="{6467094F-AEF0-4D3B-BB76-8B3C1F08B937}"/>
+                  <a16:creationId xmlns="" xmlns:a16="http://schemas.microsoft.com/office/drawing/2014/main" id="{6467094F-AEF0-4D3B-BB76-8B3C1F08B937}"/>
                 </a:ext>
                 <a:ext uri="{C183D7F6-B498-43B3-948B-1728B52AA6E4}">
-                  <adec:decorative xmlns:adec="http://schemas.microsoft.com/office/drawing/2017/decorative" val="1"/>
+                  <adec:decorative xmlns="" xmlns:adec="http://schemas.microsoft.com/office/drawing/2017/decorative" val="1"/>
                 </a:ext>
               </a:extLst>
             </p:cNvPr>
@@ -10268,7 +10329,7 @@
             <p:nvPr>
               <p:extLst>
                 <p:ext uri="{386F3935-93C4-4BCD-93E2-E3B085C9AB24}">
-                  <p16:designElem xmlns:p16="http://schemas.microsoft.com/office/powerpoint/2015/main" val="1"/>
+                  <p16:designElem xmlns="" xmlns:p16="http://schemas.microsoft.com/office/powerpoint/2015/main" val="1"/>
                 </p:ext>
               </p:extLst>
             </p:nvPr>
@@ -10319,10 +10380,10 @@
             <p:cNvPr id="45" name="Freeform 15">
               <a:extLst>
                 <a:ext uri="{FF2B5EF4-FFF2-40B4-BE49-F238E27FC236}">
-                  <a16:creationId xmlns:a16="http://schemas.microsoft.com/office/drawing/2014/main" id="{36F56AF9-DEF1-44E7-BF42-6AAC1AA9D19D}"/>
+                  <a16:creationId xmlns="" xmlns:a16="http://schemas.microsoft.com/office/drawing/2014/main" id="{36F56AF9-DEF1-44E7-BF42-6AAC1AA9D19D}"/>
                 </a:ext>
                 <a:ext uri="{C183D7F6-B498-43B3-948B-1728B52AA6E4}">
-                  <adec:decorative xmlns:adec="http://schemas.microsoft.com/office/drawing/2017/decorative" val="1"/>
+                  <adec:decorative xmlns="" xmlns:adec="http://schemas.microsoft.com/office/drawing/2017/decorative" val="1"/>
                 </a:ext>
               </a:extLst>
             </p:cNvPr>
@@ -10330,7 +10391,7 @@
             <p:nvPr>
               <p:extLst>
                 <p:ext uri="{386F3935-93C4-4BCD-93E2-E3B085C9AB24}">
-                  <p16:designElem xmlns:p16="http://schemas.microsoft.com/office/powerpoint/2015/main" val="1"/>
+                  <p16:designElem xmlns="" xmlns:p16="http://schemas.microsoft.com/office/powerpoint/2015/main" val="1"/>
                 </p:ext>
               </p:extLst>
             </p:nvPr>
@@ -10416,10 +10477,10 @@
             <p:cNvPr id="46" name="Freeform 16">
               <a:extLst>
                 <a:ext uri="{FF2B5EF4-FFF2-40B4-BE49-F238E27FC236}">
-                  <a16:creationId xmlns:a16="http://schemas.microsoft.com/office/drawing/2014/main" id="{A43EBE71-20BA-4A40-A513-516678089D11}"/>
+                  <a16:creationId xmlns="" xmlns:a16="http://schemas.microsoft.com/office/drawing/2014/main" id="{A43EBE71-20BA-4A40-A513-516678089D11}"/>
                 </a:ext>
                 <a:ext uri="{C183D7F6-B498-43B3-948B-1728B52AA6E4}">
-                  <adec:decorative xmlns:adec="http://schemas.microsoft.com/office/drawing/2017/decorative" val="1"/>
+                  <adec:decorative xmlns="" xmlns:adec="http://schemas.microsoft.com/office/drawing/2017/decorative" val="1"/>
                 </a:ext>
               </a:extLst>
             </p:cNvPr>
@@ -10427,7 +10488,7 @@
             <p:nvPr>
               <p:extLst>
                 <p:ext uri="{386F3935-93C4-4BCD-93E2-E3B085C9AB24}">
-                  <p16:designElem xmlns:p16="http://schemas.microsoft.com/office/powerpoint/2015/main" val="1"/>
+                  <p16:designElem xmlns="" xmlns:p16="http://schemas.microsoft.com/office/powerpoint/2015/main" val="1"/>
                 </p:ext>
               </p:extLst>
             </p:nvPr>
@@ -10508,10 +10569,10 @@
             <p:cNvPr id="47" name="Freeform 17">
               <a:extLst>
                 <a:ext uri="{FF2B5EF4-FFF2-40B4-BE49-F238E27FC236}">
-                  <a16:creationId xmlns:a16="http://schemas.microsoft.com/office/drawing/2014/main" id="{1DB39648-7B38-4D0B-93C5-048EC4A45C99}"/>
+                  <a16:creationId xmlns="" xmlns:a16="http://schemas.microsoft.com/office/drawing/2014/main" id="{1DB39648-7B38-4D0B-93C5-048EC4A45C99}"/>
                 </a:ext>
                 <a:ext uri="{C183D7F6-B498-43B3-948B-1728B52AA6E4}">
-                  <adec:decorative xmlns:adec="http://schemas.microsoft.com/office/drawing/2017/decorative" val="1"/>
+                  <adec:decorative xmlns="" xmlns:adec="http://schemas.microsoft.com/office/drawing/2017/decorative" val="1"/>
                 </a:ext>
               </a:extLst>
             </p:cNvPr>
@@ -10519,7 +10580,7 @@
             <p:nvPr>
               <p:extLst>
                 <p:ext uri="{386F3935-93C4-4BCD-93E2-E3B085C9AB24}">
-                  <p16:designElem xmlns:p16="http://schemas.microsoft.com/office/powerpoint/2015/main" val="1"/>
+                  <p16:designElem xmlns="" xmlns:p16="http://schemas.microsoft.com/office/powerpoint/2015/main" val="1"/>
                 </p:ext>
               </p:extLst>
             </p:nvPr>
@@ -10580,10 +10641,10 @@
             <p:cNvPr id="48" name="Freeform 18">
               <a:extLst>
                 <a:ext uri="{FF2B5EF4-FFF2-40B4-BE49-F238E27FC236}">
-                  <a16:creationId xmlns:a16="http://schemas.microsoft.com/office/drawing/2014/main" id="{8DD2661F-DE5F-45EA-B30B-7C6589638836}"/>
+                  <a16:creationId xmlns="" xmlns:a16="http://schemas.microsoft.com/office/drawing/2014/main" id="{8DD2661F-DE5F-45EA-B30B-7C6589638836}"/>
                 </a:ext>
                 <a:ext uri="{C183D7F6-B498-43B3-948B-1728B52AA6E4}">
-                  <adec:decorative xmlns:adec="http://schemas.microsoft.com/office/drawing/2017/decorative" val="1"/>
+                  <adec:decorative xmlns="" xmlns:adec="http://schemas.microsoft.com/office/drawing/2017/decorative" val="1"/>
                 </a:ext>
               </a:extLst>
             </p:cNvPr>
@@ -10591,7 +10652,7 @@
             <p:nvPr>
               <p:extLst>
                 <p:ext uri="{386F3935-93C4-4BCD-93E2-E3B085C9AB24}">
-                  <p16:designElem xmlns:p16="http://schemas.microsoft.com/office/powerpoint/2015/main" val="1"/>
+                  <p16:designElem xmlns="" xmlns:p16="http://schemas.microsoft.com/office/powerpoint/2015/main" val="1"/>
                 </p:ext>
               </p:extLst>
             </p:nvPr>
@@ -10672,10 +10733,10 @@
             <p:cNvPr id="49" name="Freeform 19">
               <a:extLst>
                 <a:ext uri="{FF2B5EF4-FFF2-40B4-BE49-F238E27FC236}">
-                  <a16:creationId xmlns:a16="http://schemas.microsoft.com/office/drawing/2014/main" id="{ABF0A0E5-E68E-4183-A913-228692FD85EC}"/>
+                  <a16:creationId xmlns="" xmlns:a16="http://schemas.microsoft.com/office/drawing/2014/main" id="{ABF0A0E5-E68E-4183-A913-228692FD85EC}"/>
                 </a:ext>
                 <a:ext uri="{C183D7F6-B498-43B3-948B-1728B52AA6E4}">
-                  <adec:decorative xmlns:adec="http://schemas.microsoft.com/office/drawing/2017/decorative" val="1"/>
+                  <adec:decorative xmlns="" xmlns:adec="http://schemas.microsoft.com/office/drawing/2017/decorative" val="1"/>
                 </a:ext>
               </a:extLst>
             </p:cNvPr>
@@ -10683,7 +10744,7 @@
             <p:nvPr>
               <p:extLst>
                 <p:ext uri="{386F3935-93C4-4BCD-93E2-E3B085C9AB24}">
-                  <p16:designElem xmlns:p16="http://schemas.microsoft.com/office/powerpoint/2015/main" val="1"/>
+                  <p16:designElem xmlns="" xmlns:p16="http://schemas.microsoft.com/office/powerpoint/2015/main" val="1"/>
                 </p:ext>
               </p:extLst>
             </p:nvPr>
@@ -10799,10 +10860,10 @@
             <p:cNvPr id="50" name="Freeform 20">
               <a:extLst>
                 <a:ext uri="{FF2B5EF4-FFF2-40B4-BE49-F238E27FC236}">
-                  <a16:creationId xmlns:a16="http://schemas.microsoft.com/office/drawing/2014/main" id="{615D8F55-8ACD-4EFE-A832-06E785479EA5}"/>
+                  <a16:creationId xmlns="" xmlns:a16="http://schemas.microsoft.com/office/drawing/2014/main" id="{615D8F55-8ACD-4EFE-A832-06E785479EA5}"/>
                 </a:ext>
                 <a:ext uri="{C183D7F6-B498-43B3-948B-1728B52AA6E4}">
-                  <adec:decorative xmlns:adec="http://schemas.microsoft.com/office/drawing/2017/decorative" val="1"/>
+                  <adec:decorative xmlns="" xmlns:adec="http://schemas.microsoft.com/office/drawing/2017/decorative" val="1"/>
                 </a:ext>
               </a:extLst>
             </p:cNvPr>
@@ -10810,7 +10871,7 @@
             <p:nvPr>
               <p:extLst>
                 <p:ext uri="{386F3935-93C4-4BCD-93E2-E3B085C9AB24}">
-                  <p16:designElem xmlns:p16="http://schemas.microsoft.com/office/powerpoint/2015/main" val="1"/>
+                  <p16:designElem xmlns="" xmlns:p16="http://schemas.microsoft.com/office/powerpoint/2015/main" val="1"/>
                 </p:ext>
               </p:extLst>
             </p:nvPr>
@@ -10861,10 +10922,10 @@
             <p:cNvPr id="51" name="Freeform 21">
               <a:extLst>
                 <a:ext uri="{FF2B5EF4-FFF2-40B4-BE49-F238E27FC236}">
-                  <a16:creationId xmlns:a16="http://schemas.microsoft.com/office/drawing/2014/main" id="{0FDF4201-8CEC-474B-A6B1-88039B70416F}"/>
+                  <a16:creationId xmlns="" xmlns:a16="http://schemas.microsoft.com/office/drawing/2014/main" id="{0FDF4201-8CEC-474B-A6B1-88039B70416F}"/>
                 </a:ext>
                 <a:ext uri="{C183D7F6-B498-43B3-948B-1728B52AA6E4}">
-                  <adec:decorative xmlns:adec="http://schemas.microsoft.com/office/drawing/2017/decorative" val="1"/>
+                  <adec:decorative xmlns="" xmlns:adec="http://schemas.microsoft.com/office/drawing/2017/decorative" val="1"/>
                 </a:ext>
               </a:extLst>
             </p:cNvPr>
@@ -10872,7 +10933,7 @@
             <p:nvPr>
               <p:extLst>
                 <p:ext uri="{386F3935-93C4-4BCD-93E2-E3B085C9AB24}">
-                  <p16:designElem xmlns:p16="http://schemas.microsoft.com/office/powerpoint/2015/main" val="1"/>
+                  <p16:designElem xmlns="" xmlns:p16="http://schemas.microsoft.com/office/powerpoint/2015/main" val="1"/>
                 </p:ext>
               </p:extLst>
             </p:nvPr>
@@ -10933,10 +10994,10 @@
             <p:cNvPr id="52" name="Freeform 22">
               <a:extLst>
                 <a:ext uri="{FF2B5EF4-FFF2-40B4-BE49-F238E27FC236}">
-                  <a16:creationId xmlns:a16="http://schemas.microsoft.com/office/drawing/2014/main" id="{0F60AEA4-B25F-417E-93FC-59686DFBE56E}"/>
+                  <a16:creationId xmlns="" xmlns:a16="http://schemas.microsoft.com/office/drawing/2014/main" id="{0F60AEA4-B25F-417E-93FC-59686DFBE56E}"/>
                 </a:ext>
                 <a:ext uri="{C183D7F6-B498-43B3-948B-1728B52AA6E4}">
-                  <adec:decorative xmlns:adec="http://schemas.microsoft.com/office/drawing/2017/decorative" val="1"/>
+                  <adec:decorative xmlns="" xmlns:adec="http://schemas.microsoft.com/office/drawing/2017/decorative" val="1"/>
                 </a:ext>
               </a:extLst>
             </p:cNvPr>
@@ -10944,7 +11005,7 @@
             <p:nvPr>
               <p:extLst>
                 <p:ext uri="{386F3935-93C4-4BCD-93E2-E3B085C9AB24}">
-                  <p16:designElem xmlns:p16="http://schemas.microsoft.com/office/powerpoint/2015/main" val="1"/>
+                  <p16:designElem xmlns="" xmlns:p16="http://schemas.microsoft.com/office/powerpoint/2015/main" val="1"/>
                 </p:ext>
               </p:extLst>
             </p:nvPr>
@@ -11016,7 +11077,7 @@
           <p:cNvPr id="3" name="Espace réservé du contenu 2">
             <a:extLst>
               <a:ext uri="{FF2B5EF4-FFF2-40B4-BE49-F238E27FC236}">
-                <a16:creationId xmlns:a16="http://schemas.microsoft.com/office/drawing/2014/main" id="{D1EA4223-DE9D-4A4B-8F5E-53F46116BAD9}"/>
+                <a16:creationId xmlns="" xmlns:a16="http://schemas.microsoft.com/office/drawing/2014/main" id="{D1EA4223-DE9D-4A4B-8F5E-53F46116BAD9}"/>
               </a:ext>
             </a:extLst>
           </p:cNvPr>
@@ -11029,8 +11090,8 @@
         </p:nvSpPr>
         <p:spPr>
           <a:xfrm>
-            <a:off x="5049062" y="942108"/>
-            <a:ext cx="6455549" cy="4969114"/>
+            <a:off x="5565058" y="942108"/>
+            <a:ext cx="5015051" cy="4969114"/>
           </a:xfrm>
         </p:spPr>
         <p:txBody>
@@ -11039,7 +11100,10 @@
           </a:bodyPr>
           <a:lstStyle/>
           <a:p>
-            <a:endParaRPr lang="fr-FR">
+            <a:pPr marL="0" indent="0">
+              <a:buNone/>
+            </a:pPr>
+            <a:endParaRPr lang="fr-FR" dirty="0">
               <a:solidFill>
                 <a:schemeClr val="tx2">
                   <a:lumMod val="75000"/>
@@ -11048,34 +11112,106 @@
             </a:endParaRPr>
           </a:p>
           <a:p>
-            <a:endParaRPr lang="fr-FR">
+            <a:pPr marL="0" indent="0">
+              <a:buNone/>
+            </a:pPr>
+            <a:r>
+              <a:rPr lang="fr-FR" dirty="0">
+                <a:solidFill>
+                  <a:schemeClr val="tx1"/>
+                </a:solidFill>
+              </a:rPr>
+              <a:t>Aucun effet dû à la zone n’est observé, que ce soit avec l’ACP ou UMAP</a:t>
+            </a:r>
+          </a:p>
+          <a:p>
+            <a:pPr marL="0" indent="0">
+              <a:buNone/>
+            </a:pPr>
+            <a:endParaRPr lang="fr-FR" dirty="0">
               <a:solidFill>
-                <a:schemeClr val="tx2">
-                  <a:lumMod val="75000"/>
-                </a:schemeClr>
+                <a:schemeClr val="tx1"/>
               </a:solidFill>
             </a:endParaRPr>
           </a:p>
           <a:p>
-            <a:endParaRPr lang="fr-FR">
+            <a:pPr marL="0" indent="0">
+              <a:buNone/>
+            </a:pPr>
+            <a:r>
+              <a:rPr lang="fr-FR" dirty="0">
+                <a:solidFill>
+                  <a:schemeClr val="tx1"/>
+                </a:solidFill>
+              </a:rPr>
+              <a:t>Récent ?</a:t>
+            </a:r>
+          </a:p>
+          <a:p>
+            <a:pPr marL="0" indent="0">
+              <a:buNone/>
+            </a:pPr>
+            <a:endParaRPr lang="fr-FR" dirty="0">
               <a:solidFill>
-                <a:schemeClr val="tx2">
-                  <a:lumMod val="75000"/>
-                </a:schemeClr>
+                <a:schemeClr val="tx1"/>
               </a:solidFill>
             </a:endParaRPr>
           </a:p>
           <a:p>
-            <a:r>
-              <a:rPr lang="fr-FR">
+            <a:pPr marL="0" indent="0">
+              <a:buNone/>
+            </a:pPr>
+            <a:r>
+              <a:rPr lang="fr-FR" dirty="0">
                 <a:solidFill>
-                  <a:schemeClr val="tx2">
-                    <a:lumMod val="75000"/>
-                  </a:schemeClr>
+                  <a:schemeClr val="tx1"/>
                 </a:solidFill>
               </a:rPr>
-              <a:t>Aucun effet dû au banc ou à la zone n’est observé avec l’ACP et UMAP</a:t>
-            </a:r>
+              <a:t>Créateurs ?</a:t>
+            </a:r>
+          </a:p>
+          <a:p>
+            <a:pPr marL="0" indent="0">
+              <a:buNone/>
+            </a:pPr>
+            <a:endParaRPr lang="fr-FR" dirty="0">
+              <a:solidFill>
+                <a:schemeClr val="tx1"/>
+              </a:solidFill>
+            </a:endParaRPr>
+          </a:p>
+          <a:p>
+            <a:pPr marL="0" indent="0">
+              <a:buNone/>
+            </a:pPr>
+            <a:r>
+              <a:rPr lang="fr-FR" dirty="0">
+                <a:solidFill>
+                  <a:schemeClr val="tx1"/>
+                </a:solidFill>
+              </a:rPr>
+              <a:t>Avantages ?</a:t>
+            </a:r>
+          </a:p>
+          <a:p>
+            <a:pPr marL="0" indent="0">
+              <a:buNone/>
+            </a:pPr>
+            <a:endParaRPr lang="fr-FR" dirty="0">
+              <a:solidFill>
+                <a:schemeClr val="tx1"/>
+              </a:solidFill>
+            </a:endParaRPr>
+          </a:p>
+          <a:p>
+            <a:pPr marL="0" indent="0">
+              <a:buNone/>
+            </a:pPr>
+            <a:endParaRPr lang="fr-FR" dirty="0">
+              <a:solidFill>
+                <a:schemeClr val="tx1"/>
+              </a:solidFill>
+            </a:endParaRPr>
           </a:p>
         </p:txBody>
       </p:sp>
@@ -11083,6 +11219,1708 @@
     <p:extLst>
       <p:ext uri="{BB962C8B-B14F-4D97-AF65-F5344CB8AC3E}">
         <p14:creationId xmlns:p14="http://schemas.microsoft.com/office/powerpoint/2010/main" val="1058375661"/>
+      </p:ext>
+    </p:extLst>
+  </p:cSld>
+  <p:clrMapOvr>
+    <a:masterClrMapping/>
+  </p:clrMapOvr>
+</p:sld>
+</file>
+
+<file path=ppt/slides/slide2.xml><?xml version="1.0" encoding="utf-8"?>
+<p:sld xmlns:a="http://schemas.openxmlformats.org/drawingml/2006/main" xmlns:r="http://schemas.openxmlformats.org/officeDocument/2006/relationships" xmlns:p="http://schemas.openxmlformats.org/presentationml/2006/main">
+  <p:cSld>
+    <p:spTree>
+      <p:nvGrpSpPr>
+        <p:cNvPr id="1" name=""/>
+        <p:cNvGrpSpPr/>
+        <p:nvPr/>
+      </p:nvGrpSpPr>
+      <p:grpSpPr>
+        <a:xfrm>
+          <a:off x="0" y="0"/>
+          <a:ext cx="0" cy="0"/>
+          <a:chOff x="0" y="0"/>
+          <a:chExt cx="0" cy="0"/>
+        </a:xfrm>
+      </p:grpSpPr>
+      <p:sp>
+        <p:nvSpPr>
+          <p:cNvPr id="2" name="Titre 1">
+            <a:extLst>
+              <a:ext uri="{FF2B5EF4-FFF2-40B4-BE49-F238E27FC236}">
+                <a16:creationId xmlns="" xmlns:a16="http://schemas.microsoft.com/office/drawing/2014/main" id="{DCE443D8-09EB-4B1B-AFDB-5E93A39D4403}"/>
+              </a:ext>
+            </a:extLst>
+          </p:cNvPr>
+          <p:cNvSpPr>
+            <a:spLocks noGrp="1"/>
+          </p:cNvSpPr>
+          <p:nvPr>
+            <p:ph type="title"/>
+          </p:nvPr>
+        </p:nvSpPr>
+        <p:spPr>
+          <a:xfrm>
+            <a:off x="1876132" y="636989"/>
+            <a:ext cx="8911687" cy="1280890"/>
+          </a:xfrm>
+        </p:spPr>
+        <p:txBody>
+          <a:bodyPr/>
+          <a:lstStyle/>
+          <a:p>
+            <a:r>
+              <a:rPr lang="fr-FR" dirty="0"/>
+              <a:t>Théorie </a:t>
+            </a:r>
+            <a:r>
+              <a:rPr lang="fr-FR" dirty="0" smtClean="0"/>
+              <a:t>UMAP : résumé</a:t>
+            </a:r>
+            <a:endParaRPr lang="fr-FR" dirty="0"/>
+          </a:p>
+        </p:txBody>
+      </p:sp>
+      <p:sp>
+        <p:nvSpPr>
+          <p:cNvPr id="3" name="Espace réservé du contenu 2">
+            <a:extLst>
+              <a:ext uri="{FF2B5EF4-FFF2-40B4-BE49-F238E27FC236}">
+                <a16:creationId xmlns="" xmlns:a16="http://schemas.microsoft.com/office/drawing/2014/main" id="{6DCEA7C5-34DD-4A8B-95A4-DFBB53A69EAC}"/>
+              </a:ext>
+            </a:extLst>
+          </p:cNvPr>
+          <p:cNvSpPr>
+            <a:spLocks noGrp="1"/>
+          </p:cNvSpPr>
+          <p:nvPr>
+            <p:ph idx="1"/>
+          </p:nvPr>
+        </p:nvSpPr>
+        <p:spPr>
+          <a:xfrm>
+            <a:off x="815389" y="1412243"/>
+            <a:ext cx="11033174" cy="5065830"/>
+          </a:xfrm>
+        </p:spPr>
+        <p:txBody>
+          <a:bodyPr>
+            <a:normAutofit fontScale="92500"/>
+          </a:bodyPr>
+          <a:lstStyle/>
+          <a:p>
+            <a:r>
+              <a:rPr lang="fr-FR" dirty="0" smtClean="0"/>
+              <a:t>Créateurs : </a:t>
+            </a:r>
+            <a:r>
+              <a:rPr lang="fr-FR" dirty="0" err="1" smtClean="0"/>
+              <a:t>Leland</a:t>
+            </a:r>
+            <a:r>
+              <a:rPr lang="fr-FR" dirty="0" smtClean="0"/>
+              <a:t> McInnes, John </a:t>
+            </a:r>
+            <a:r>
+              <a:rPr lang="fr-FR" dirty="0" err="1" smtClean="0"/>
+              <a:t>Healy</a:t>
+            </a:r>
+            <a:r>
+              <a:rPr lang="fr-FR" dirty="0" smtClean="0"/>
+              <a:t>, James </a:t>
+            </a:r>
+            <a:r>
+              <a:rPr lang="fr-FR" dirty="0" err="1" smtClean="0"/>
+              <a:t>Meville</a:t>
+            </a:r>
+            <a:endParaRPr lang="fr-FR" dirty="0" smtClean="0"/>
+          </a:p>
+          <a:p>
+            <a:pPr marL="0" indent="0">
+              <a:buNone/>
+            </a:pPr>
+            <a:endParaRPr lang="fr-FR" dirty="0" smtClean="0"/>
+          </a:p>
+          <a:p>
+            <a:r>
+              <a:rPr lang="fr-FR" dirty="0" smtClean="0"/>
+              <a:t>UMAP </a:t>
+            </a:r>
+            <a:r>
+              <a:rPr lang="fr-FR" dirty="0" smtClean="0"/>
+              <a:t>: Uniform </a:t>
+            </a:r>
+            <a:r>
+              <a:rPr lang="fr-FR" dirty="0"/>
+              <a:t>Manifold Approximation and </a:t>
+            </a:r>
+            <a:r>
+              <a:rPr lang="fr-FR" dirty="0" smtClean="0"/>
+              <a:t>Projection</a:t>
+            </a:r>
+            <a:endParaRPr lang="fr-FR" dirty="0" smtClean="0"/>
+          </a:p>
+          <a:p>
+            <a:pPr marL="0" indent="0">
+              <a:buNone/>
+            </a:pPr>
+            <a:r>
+              <a:rPr lang="fr-FR" dirty="0" smtClean="0"/>
+              <a:t> </a:t>
+            </a:r>
+            <a:r>
+              <a:rPr lang="fr-FR" dirty="0" smtClean="0">
+                <a:sym typeface="Wingdings" panose="05000000000000000000" pitchFamily="2" charset="2"/>
+              </a:rPr>
+              <a:t> </a:t>
+            </a:r>
+            <a:r>
+              <a:rPr lang="fr-FR" b="1" dirty="0" smtClean="0"/>
+              <a:t>réduction </a:t>
+            </a:r>
+            <a:r>
+              <a:rPr lang="fr-FR" b="1" dirty="0"/>
+              <a:t>de </a:t>
+            </a:r>
+            <a:r>
+              <a:rPr lang="fr-FR" b="1" dirty="0" smtClean="0"/>
+              <a:t>dimension </a:t>
+            </a:r>
+            <a:r>
+              <a:rPr lang="fr-FR" dirty="0" smtClean="0"/>
+              <a:t>linéaire et non </a:t>
+            </a:r>
+            <a:r>
+              <a:rPr lang="fr-FR" dirty="0" smtClean="0"/>
+              <a:t>linéaire (visualisation)</a:t>
+            </a:r>
+          </a:p>
+          <a:p>
+            <a:pPr marL="0" indent="0">
+              <a:buNone/>
+            </a:pPr>
+            <a:r>
+              <a:rPr lang="fr-FR" dirty="0" smtClean="0">
+                <a:sym typeface="Wingdings" panose="05000000000000000000" pitchFamily="2" charset="2"/>
+              </a:rPr>
+              <a:t>  </a:t>
+            </a:r>
+            <a:r>
+              <a:rPr lang="fr-FR" b="1" dirty="0" err="1" smtClean="0"/>
+              <a:t>Neighbour</a:t>
+            </a:r>
+            <a:r>
+              <a:rPr lang="fr-FR" b="1" dirty="0" smtClean="0"/>
+              <a:t> </a:t>
+            </a:r>
+            <a:r>
+              <a:rPr lang="fr-FR" b="1" dirty="0"/>
+              <a:t>Graphs </a:t>
+            </a:r>
+            <a:r>
+              <a:rPr lang="fr-FR" b="1" dirty="0" smtClean="0"/>
+              <a:t>Techniques </a:t>
+            </a:r>
+            <a:r>
+              <a:rPr lang="fr-FR" dirty="0"/>
+              <a:t>(t-SNE</a:t>
+            </a:r>
+            <a:r>
+              <a:rPr lang="fr-FR" dirty="0" smtClean="0"/>
+              <a:t>)/Matrix </a:t>
+            </a:r>
+            <a:r>
+              <a:rPr lang="fr-FR" dirty="0" err="1" smtClean="0"/>
+              <a:t>factorization</a:t>
+            </a:r>
+            <a:r>
+              <a:rPr lang="fr-FR" dirty="0" smtClean="0"/>
+              <a:t>, pas de signification des axes</a:t>
+            </a:r>
+            <a:endParaRPr lang="fr-FR" dirty="0" smtClean="0"/>
+          </a:p>
+          <a:p>
+            <a:pPr marL="0" indent="0">
+              <a:buNone/>
+            </a:pPr>
+            <a:r>
+              <a:rPr lang="fr-FR" dirty="0" smtClean="0">
+                <a:sym typeface="Wingdings" panose="05000000000000000000" pitchFamily="2" charset="2"/>
+              </a:rPr>
+              <a:t>  </a:t>
+            </a:r>
+            <a:r>
+              <a:rPr lang="fr-FR" dirty="0" smtClean="0"/>
+              <a:t>3 </a:t>
+            </a:r>
+            <a:r>
+              <a:rPr lang="fr-FR" dirty="0"/>
+              <a:t>hypothèses faites sur les données : </a:t>
+            </a:r>
+          </a:p>
+          <a:p>
+            <a:pPr marL="0" lvl="0" indent="0">
+              <a:buNone/>
+            </a:pPr>
+            <a:r>
+              <a:rPr lang="fr-FR" dirty="0"/>
+              <a:t>	</a:t>
+            </a:r>
+            <a:r>
+              <a:rPr lang="fr-FR" dirty="0" smtClean="0"/>
+              <a:t>1. Les </a:t>
+            </a:r>
+            <a:r>
+              <a:rPr lang="fr-FR" dirty="0"/>
+              <a:t>données sont </a:t>
+            </a:r>
+            <a:r>
+              <a:rPr lang="fr-FR" b="1" dirty="0"/>
+              <a:t>distribuées de manière uniforme </a:t>
+            </a:r>
+            <a:r>
+              <a:rPr lang="fr-FR" dirty="0"/>
+              <a:t>sur une variété Riemannienne</a:t>
+            </a:r>
+          </a:p>
+          <a:p>
+            <a:pPr marL="0" lvl="0" indent="0">
+              <a:buNone/>
+            </a:pPr>
+            <a:r>
+              <a:rPr lang="fr-FR" dirty="0"/>
+              <a:t>	</a:t>
+            </a:r>
+            <a:r>
+              <a:rPr lang="fr-FR" dirty="0" smtClean="0"/>
+              <a:t>2. La </a:t>
+            </a:r>
+            <a:r>
+              <a:rPr lang="fr-FR" dirty="0"/>
+              <a:t>métrique de Riemann est localement constante (ou peut être approximée comme tel)</a:t>
+            </a:r>
+          </a:p>
+          <a:p>
+            <a:pPr marL="0" lvl="0" indent="0">
+              <a:buNone/>
+            </a:pPr>
+            <a:r>
+              <a:rPr lang="fr-FR" dirty="0" smtClean="0"/>
+              <a:t>	3. Les </a:t>
+            </a:r>
+            <a:r>
+              <a:rPr lang="fr-FR" dirty="0"/>
+              <a:t>« points » sont localement connecté dans l’espace, il n’y a </a:t>
+            </a:r>
+            <a:r>
+              <a:rPr lang="fr-FR" b="1" dirty="0"/>
+              <a:t>pas de « points » </a:t>
+            </a:r>
+            <a:r>
+              <a:rPr lang="fr-FR" b="1" dirty="0" smtClean="0"/>
+              <a:t>isolés</a:t>
+            </a:r>
+          </a:p>
+          <a:p>
+            <a:pPr marL="0" lvl="0" indent="0">
+              <a:buNone/>
+            </a:pPr>
+            <a:endParaRPr lang="fr-FR" b="1" dirty="0" smtClean="0"/>
+          </a:p>
+          <a:p>
+            <a:r>
+              <a:rPr lang="fr-FR" dirty="0" smtClean="0"/>
+              <a:t>Mathématiques </a:t>
+            </a:r>
+            <a:r>
+              <a:rPr lang="fr-FR" dirty="0" smtClean="0"/>
+              <a:t>derrière la méthode : algèbre topologique, Géométrie de Riemann, « logique flou » </a:t>
+            </a:r>
+          </a:p>
+          <a:p>
+            <a:r>
+              <a:rPr lang="fr-FR" dirty="0" smtClean="0"/>
+              <a:t>Représentation </a:t>
+            </a:r>
+            <a:r>
+              <a:rPr lang="fr-FR" dirty="0"/>
+              <a:t>(simple) des </a:t>
+            </a:r>
+            <a:r>
+              <a:rPr lang="fr-FR" dirty="0" smtClean="0"/>
+              <a:t>données : trouvée </a:t>
+            </a:r>
+            <a:r>
+              <a:rPr lang="fr-FR" dirty="0"/>
+              <a:t>en cherchant une </a:t>
+            </a:r>
+            <a:r>
+              <a:rPr lang="fr-FR" dirty="0" smtClean="0"/>
+              <a:t>projection sur </a:t>
+            </a:r>
+            <a:r>
+              <a:rPr lang="fr-FR" dirty="0"/>
+              <a:t>un espace de faible dimension qui a une structure la plus proche possible de la structure topologique de départ.</a:t>
+            </a:r>
+          </a:p>
+          <a:p>
+            <a:endParaRPr lang="fr-FR" dirty="0"/>
+          </a:p>
+          <a:p>
+            <a:endParaRPr lang="fr-FR" dirty="0"/>
+          </a:p>
+        </p:txBody>
+      </p:sp>
+    </p:spTree>
+    <p:extLst>
+      <p:ext uri="{BB962C8B-B14F-4D97-AF65-F5344CB8AC3E}">
+        <p14:creationId xmlns:p14="http://schemas.microsoft.com/office/powerpoint/2010/main" val="3893685818"/>
+      </p:ext>
+    </p:extLst>
+  </p:cSld>
+  <p:clrMapOvr>
+    <a:masterClrMapping/>
+  </p:clrMapOvr>
+</p:sld>
+</file>
+
+<file path=ppt/slides/slide3.xml><?xml version="1.0" encoding="utf-8"?>
+<p:sld xmlns:a="http://schemas.openxmlformats.org/drawingml/2006/main" xmlns:r="http://schemas.openxmlformats.org/officeDocument/2006/relationships" xmlns:p="http://schemas.openxmlformats.org/presentationml/2006/main">
+  <p:cSld>
+    <p:spTree>
+      <p:nvGrpSpPr>
+        <p:cNvPr id="1" name=""/>
+        <p:cNvGrpSpPr/>
+        <p:nvPr/>
+      </p:nvGrpSpPr>
+      <p:grpSpPr>
+        <a:xfrm>
+          <a:off x="0" y="0"/>
+          <a:ext cx="0" cy="0"/>
+          <a:chOff x="0" y="0"/>
+          <a:chExt cx="0" cy="0"/>
+        </a:xfrm>
+      </p:grpSpPr>
+      <p:sp>
+        <p:nvSpPr>
+          <p:cNvPr id="2" name="Titre 1">
+            <a:extLst>
+              <a:ext uri="{FF2B5EF4-FFF2-40B4-BE49-F238E27FC236}">
+                <a16:creationId xmlns="" xmlns:a16="http://schemas.microsoft.com/office/drawing/2014/main" id="{906B3FF4-244D-4945-8ED3-433A6DD80536}"/>
+              </a:ext>
+            </a:extLst>
+          </p:cNvPr>
+          <p:cNvSpPr>
+            <a:spLocks noGrp="1"/>
+          </p:cNvSpPr>
+          <p:nvPr>
+            <p:ph type="title"/>
+          </p:nvPr>
+        </p:nvSpPr>
+        <p:spPr/>
+        <p:txBody>
+          <a:bodyPr/>
+          <a:lstStyle/>
+          <a:p>
+            <a:r>
+              <a:rPr lang="fr-FR" dirty="0"/>
+              <a:t>Au niveau mathématique</a:t>
+            </a:r>
+          </a:p>
+        </p:txBody>
+      </p:sp>
+      <p:sp>
+        <p:nvSpPr>
+          <p:cNvPr id="3" name="Espace réservé du contenu 2">
+            <a:extLst>
+              <a:ext uri="{FF2B5EF4-FFF2-40B4-BE49-F238E27FC236}">
+                <a16:creationId xmlns="" xmlns:a16="http://schemas.microsoft.com/office/drawing/2014/main" id="{6FE95A7B-34A7-4C59-BCF1-9FEABDF58E52}"/>
+              </a:ext>
+            </a:extLst>
+          </p:cNvPr>
+          <p:cNvSpPr>
+            <a:spLocks noGrp="1"/>
+          </p:cNvSpPr>
+          <p:nvPr>
+            <p:ph idx="1"/>
+          </p:nvPr>
+        </p:nvSpPr>
+        <p:spPr>
+          <a:xfrm>
+            <a:off x="1379307" y="2000175"/>
+            <a:ext cx="9518496" cy="4006222"/>
+          </a:xfrm>
+        </p:spPr>
+        <p:txBody>
+          <a:bodyPr/>
+          <a:lstStyle/>
+          <a:p>
+            <a:pPr lvl="0"/>
+            <a:r>
+              <a:rPr lang="fr-FR" u="sng" dirty="0"/>
+              <a:t>Analyse de données topologiques </a:t>
+            </a:r>
+            <a:r>
+              <a:rPr lang="fr-FR" dirty="0"/>
+              <a:t>: Il est possible en construisant d’une certaine manière des </a:t>
+            </a:r>
+            <a:r>
+              <a:rPr lang="fr-FR" dirty="0" smtClean="0"/>
+              <a:t>complexes </a:t>
+            </a:r>
+            <a:r>
+              <a:rPr lang="fr-FR" dirty="0"/>
+              <a:t>simpliciaux dans un espace topologique de les </a:t>
+            </a:r>
+            <a:r>
+              <a:rPr lang="fr-FR" b="1" dirty="0"/>
+              <a:t>reconstruire de manière combinatoire sans perdre </a:t>
+            </a:r>
+            <a:r>
+              <a:rPr lang="fr-FR" b="1" dirty="0" smtClean="0"/>
+              <a:t>d’information </a:t>
+            </a:r>
+            <a:r>
+              <a:rPr lang="fr-FR" dirty="0" smtClean="0"/>
+              <a:t>(on </a:t>
+            </a:r>
+            <a:r>
+              <a:rPr lang="fr-FR" dirty="0"/>
+              <a:t>réussit à recouvrir toute l’information importante sur la topologie de l’espace de </a:t>
+            </a:r>
+            <a:r>
+              <a:rPr lang="fr-FR" dirty="0" smtClean="0"/>
+              <a:t>départ). </a:t>
+            </a:r>
+            <a:r>
+              <a:rPr lang="fr-FR" dirty="0"/>
+              <a:t>Ce qui est plus simple à </a:t>
+            </a:r>
+            <a:r>
+              <a:rPr lang="fr-FR" dirty="0" smtClean="0"/>
+              <a:t>manipuler</a:t>
+            </a:r>
+            <a:r>
+              <a:rPr lang="fr-FR" dirty="0"/>
+              <a:t> </a:t>
+            </a:r>
+            <a:r>
+              <a:rPr lang="fr-FR" dirty="0" smtClean="0"/>
+              <a:t>(typiquement R²</a:t>
+            </a:r>
+            <a:r>
+              <a:rPr lang="fr-FR" dirty="0" smtClean="0"/>
+              <a:t>)</a:t>
+            </a:r>
+            <a:endParaRPr lang="fr-FR" dirty="0" smtClean="0"/>
+          </a:p>
+          <a:p>
+            <a:pPr marL="0" lvl="0" indent="0">
+              <a:buNone/>
+            </a:pPr>
+            <a:endParaRPr lang="fr-FR" dirty="0" smtClean="0"/>
+          </a:p>
+          <a:p>
+            <a:pPr marL="0" lvl="0" indent="0">
+              <a:buNone/>
+            </a:pPr>
+            <a:endParaRPr lang="fr-FR" dirty="0"/>
+          </a:p>
+          <a:p>
+            <a:pPr lvl="0"/>
+            <a:r>
+              <a:rPr lang="fr-FR" dirty="0"/>
+              <a:t>Hypothèse de </a:t>
+            </a:r>
+            <a:r>
+              <a:rPr lang="fr-FR" b="1" dirty="0"/>
+              <a:t>distribution uniforme </a:t>
+            </a:r>
+            <a:r>
+              <a:rPr lang="fr-FR" dirty="0"/>
+              <a:t>: Si les données ne sont pas uniformément distribuées sur la variété, on peut </a:t>
+            </a:r>
+            <a:r>
+              <a:rPr lang="fr-FR" b="1" dirty="0"/>
+              <a:t>définir une métrique </a:t>
+            </a:r>
+            <a:r>
+              <a:rPr lang="fr-FR" dirty="0"/>
+              <a:t>Riemannienne pour faire en sorte que l’hypothèse soit vérifiée, en faisant varier la notion de distance pour chaque type de données.</a:t>
+            </a:r>
+          </a:p>
+          <a:p>
+            <a:endParaRPr lang="fr-FR" dirty="0"/>
+          </a:p>
+        </p:txBody>
+      </p:sp>
+    </p:spTree>
+    <p:extLst>
+      <p:ext uri="{BB962C8B-B14F-4D97-AF65-F5344CB8AC3E}">
+        <p14:creationId xmlns:p14="http://schemas.microsoft.com/office/powerpoint/2010/main" val="4196430017"/>
+      </p:ext>
+    </p:extLst>
+  </p:cSld>
+  <p:clrMapOvr>
+    <a:masterClrMapping/>
+  </p:clrMapOvr>
+</p:sld>
+</file>
+
+<file path=ppt/slides/slide4.xml><?xml version="1.0" encoding="utf-8"?>
+<p:sld xmlns:a="http://schemas.openxmlformats.org/drawingml/2006/main" xmlns:r="http://schemas.openxmlformats.org/officeDocument/2006/relationships" xmlns:p="http://schemas.openxmlformats.org/presentationml/2006/main">
+  <p:cSld>
+    <p:spTree>
+      <p:nvGrpSpPr>
+        <p:cNvPr id="1" name=""/>
+        <p:cNvGrpSpPr/>
+        <p:nvPr/>
+      </p:nvGrpSpPr>
+      <p:grpSpPr>
+        <a:xfrm>
+          <a:off x="0" y="0"/>
+          <a:ext cx="0" cy="0"/>
+          <a:chOff x="0" y="0"/>
+          <a:chExt cx="0" cy="0"/>
+        </a:xfrm>
+      </p:grpSpPr>
+      <p:sp>
+        <p:nvSpPr>
+          <p:cNvPr id="2" name="Titre 1">
+            <a:extLst>
+              <a:ext uri="{FF2B5EF4-FFF2-40B4-BE49-F238E27FC236}">
+                <a16:creationId xmlns="" xmlns:a16="http://schemas.microsoft.com/office/drawing/2014/main" id="{9ACCDE0D-8AD8-4190-8D5B-D82DFF9DD107}"/>
+              </a:ext>
+            </a:extLst>
+          </p:cNvPr>
+          <p:cNvSpPr>
+            <a:spLocks noGrp="1"/>
+          </p:cNvSpPr>
+          <p:nvPr>
+            <p:ph type="title"/>
+          </p:nvPr>
+        </p:nvSpPr>
+        <p:spPr>
+          <a:xfrm>
+            <a:off x="1910345" y="585473"/>
+            <a:ext cx="8911687" cy="1280890"/>
+          </a:xfrm>
+        </p:spPr>
+        <p:txBody>
+          <a:bodyPr/>
+          <a:lstStyle/>
+          <a:p>
+            <a:r>
+              <a:rPr lang="fr-FR" dirty="0" smtClean="0"/>
+              <a:t>Illustration</a:t>
+            </a:r>
+            <a:endParaRPr lang="fr-FR" dirty="0"/>
+          </a:p>
+        </p:txBody>
+      </p:sp>
+      <p:pic>
+        <p:nvPicPr>
+          <p:cNvPr id="4" name="Espace réservé du contenu 3">
+            <a:extLst>
+              <a:ext uri="{FF2B5EF4-FFF2-40B4-BE49-F238E27FC236}">
+                <a16:creationId xmlns="" xmlns:a16="http://schemas.microsoft.com/office/drawing/2014/main" id="{91BE7ABD-1079-40D9-AF1C-54325F1DD3D3}"/>
+              </a:ext>
+            </a:extLst>
+          </p:cNvPr>
+          <p:cNvPicPr>
+            <a:picLocks noGrp="1" noChangeAspect="1"/>
+          </p:cNvPicPr>
+          <p:nvPr>
+            <p:ph idx="1"/>
+          </p:nvPr>
+        </p:nvPicPr>
+        <p:blipFill rotWithShape="1">
+          <a:blip r:embed="rId2"/>
+          <a:srcRect l="24748" t="26764" r="23069" b="21165"/>
+          <a:stretch/>
+        </p:blipFill>
+        <p:spPr bwMode="auto">
+          <a:xfrm>
+            <a:off x="6272192" y="2327668"/>
+            <a:ext cx="5493895" cy="3083606"/>
+          </a:xfrm>
+          <a:prstGeom prst="rect">
+            <a:avLst/>
+          </a:prstGeom>
+          <a:ln>
+            <a:noFill/>
+          </a:ln>
+          <a:extLst>
+            <a:ext uri="{53640926-AAD7-44D8-BBD7-CCE9431645EC}">
+              <a14:shadowObscured xmlns:a14="http://schemas.microsoft.com/office/drawing/2010/main"/>
+            </a:ext>
+          </a:extLst>
+        </p:spPr>
+      </p:pic>
+      <p:pic>
+        <p:nvPicPr>
+          <p:cNvPr id="5" name="Image 4">
+            <a:extLst>
+              <a:ext uri="{FF2B5EF4-FFF2-40B4-BE49-F238E27FC236}">
+                <a16:creationId xmlns="" xmlns:a16="http://schemas.microsoft.com/office/drawing/2014/main" id="{711B3907-2C33-43B2-989D-0EB56926C9B9}"/>
+              </a:ext>
+            </a:extLst>
+          </p:cNvPr>
+          <p:cNvPicPr>
+            <a:picLocks noChangeAspect="1"/>
+          </p:cNvPicPr>
+          <p:nvPr/>
+        </p:nvPicPr>
+        <p:blipFill rotWithShape="1">
+          <a:blip r:embed="rId3"/>
+          <a:srcRect l="25162" t="31897" r="23476" b="16028"/>
+          <a:stretch/>
+        </p:blipFill>
+        <p:spPr bwMode="auto">
+          <a:xfrm>
+            <a:off x="863773" y="2327668"/>
+            <a:ext cx="5408419" cy="3083606"/>
+          </a:xfrm>
+          <a:prstGeom prst="rect">
+            <a:avLst/>
+          </a:prstGeom>
+          <a:ln>
+            <a:noFill/>
+          </a:ln>
+          <a:extLst>
+            <a:ext uri="{53640926-AAD7-44D8-BBD7-CCE9431645EC}">
+              <a14:shadowObscured xmlns:a14="http://schemas.microsoft.com/office/drawing/2010/main"/>
+            </a:ext>
+          </a:extLst>
+        </p:spPr>
+      </p:pic>
+      <p:sp>
+        <p:nvSpPr>
+          <p:cNvPr id="7" name="Rectangle 6">
+            <a:extLst>
+              <a:ext uri="{FF2B5EF4-FFF2-40B4-BE49-F238E27FC236}">
+                <a16:creationId xmlns="" xmlns:a16="http://schemas.microsoft.com/office/drawing/2014/main" id="{7A779CD5-11EA-4523-A087-70B42F4D236F}"/>
+              </a:ext>
+            </a:extLst>
+          </p:cNvPr>
+          <p:cNvSpPr/>
+          <p:nvPr/>
+        </p:nvSpPr>
+        <p:spPr>
+          <a:xfrm>
+            <a:off x="2592925" y="6233890"/>
+            <a:ext cx="7457106" cy="323165"/>
+          </a:xfrm>
+          <a:prstGeom prst="rect">
+            <a:avLst/>
+          </a:prstGeom>
+        </p:spPr>
+        <p:txBody>
+          <a:bodyPr wrap="none">
+            <a:spAutoFit/>
+          </a:bodyPr>
+          <a:lstStyle/>
+          <a:p>
+            <a:pPr>
+              <a:lnSpc>
+                <a:spcPts val="1800"/>
+              </a:lnSpc>
+              <a:spcAft>
+                <a:spcPts val="1800"/>
+              </a:spcAft>
+            </a:pPr>
+            <a:r>
+              <a:rPr lang="en-GB" dirty="0">
+                <a:solidFill>
+                  <a:srgbClr val="404040"/>
+                </a:solidFill>
+                <a:latin typeface="Calibri" panose="020F0502020204030204" pitchFamily="34" charset="0"/>
+                <a:ea typeface="Malgun Gothic" panose="020B0503020000020004" pitchFamily="34" charset="-127"/>
+                <a:cs typeface="Calibri" panose="020F0502020204030204" pitchFamily="34" charset="0"/>
+              </a:rPr>
+              <a:t>Video </a:t>
+            </a:r>
+            <a:r>
+              <a:rPr lang="en-GB" dirty="0" smtClean="0">
+                <a:solidFill>
+                  <a:srgbClr val="404040"/>
+                </a:solidFill>
+                <a:latin typeface="Calibri" panose="020F0502020204030204" pitchFamily="34" charset="0"/>
+                <a:ea typeface="Malgun Gothic" panose="020B0503020000020004" pitchFamily="34" charset="-127"/>
+                <a:cs typeface="Calibri" panose="020F0502020204030204" pitchFamily="34" charset="0"/>
+              </a:rPr>
+              <a:t>explicative (</a:t>
+            </a:r>
+            <a:r>
+              <a:rPr lang="en-GB" dirty="0" err="1" smtClean="0">
+                <a:solidFill>
+                  <a:srgbClr val="404040"/>
+                </a:solidFill>
+                <a:latin typeface="Calibri" panose="020F0502020204030204" pitchFamily="34" charset="0"/>
+                <a:ea typeface="Malgun Gothic" panose="020B0503020000020004" pitchFamily="34" charset="-127"/>
+                <a:cs typeface="Calibri" panose="020F0502020204030204" pitchFamily="34" charset="0"/>
+              </a:rPr>
+              <a:t>anglais</a:t>
+            </a:r>
+            <a:r>
+              <a:rPr lang="en-GB" dirty="0" smtClean="0">
+                <a:solidFill>
+                  <a:srgbClr val="404040"/>
+                </a:solidFill>
+                <a:latin typeface="Calibri" panose="020F0502020204030204" pitchFamily="34" charset="0"/>
+                <a:ea typeface="Malgun Gothic" panose="020B0503020000020004" pitchFamily="34" charset="-127"/>
+                <a:cs typeface="Calibri" panose="020F0502020204030204" pitchFamily="34" charset="0"/>
+              </a:rPr>
+              <a:t>) : </a:t>
+            </a:r>
+            <a:r>
+              <a:rPr lang="en-GB" u="sng" dirty="0" smtClean="0">
+                <a:solidFill>
+                  <a:srgbClr val="000000"/>
+                </a:solidFill>
+                <a:latin typeface="Calibri" panose="020F0502020204030204" pitchFamily="34" charset="0"/>
+                <a:ea typeface="Malgun Gothic" panose="020B0503020000020004" pitchFamily="34" charset="-127"/>
+                <a:cs typeface="Calibri" panose="020F0502020204030204" pitchFamily="34" charset="0"/>
+                <a:hlinkClick r:id="rId4"/>
+              </a:rPr>
+              <a:t>https</a:t>
+            </a:r>
+            <a:r>
+              <a:rPr lang="en-GB" u="sng" dirty="0">
+                <a:solidFill>
+                  <a:srgbClr val="000000"/>
+                </a:solidFill>
+                <a:latin typeface="Calibri" panose="020F0502020204030204" pitchFamily="34" charset="0"/>
+                <a:ea typeface="Malgun Gothic" panose="020B0503020000020004" pitchFamily="34" charset="-127"/>
+                <a:cs typeface="Calibri" panose="020F0502020204030204" pitchFamily="34" charset="0"/>
+                <a:hlinkClick r:id="rId4"/>
+              </a:rPr>
+              <a:t>://www.youtube.com/watch?v=nq6iPZVUxZU</a:t>
+            </a:r>
+            <a:endParaRPr lang="fr-FR" dirty="0">
+              <a:latin typeface="Calibri" panose="020F0502020204030204" pitchFamily="34" charset="0"/>
+              <a:ea typeface="Malgun Gothic" panose="020B0503020000020004" pitchFamily="34" charset="-127"/>
+              <a:cs typeface="Times New Roman" panose="02020603050405020304" pitchFamily="18" charset="0"/>
+            </a:endParaRPr>
+          </a:p>
+        </p:txBody>
+      </p:sp>
+      <p:sp>
+        <p:nvSpPr>
+          <p:cNvPr id="3" name="ZoneTexte 2"/>
+          <p:cNvSpPr txBox="1"/>
+          <p:nvPr/>
+        </p:nvSpPr>
+        <p:spPr>
+          <a:xfrm>
+            <a:off x="863773" y="1543197"/>
+            <a:ext cx="5408419" cy="646331"/>
+          </a:xfrm>
+          <a:prstGeom prst="rect">
+            <a:avLst/>
+          </a:prstGeom>
+          <a:noFill/>
+        </p:spPr>
+        <p:txBody>
+          <a:bodyPr wrap="square" rtlCol="0">
+            <a:spAutoFit/>
+          </a:bodyPr>
+          <a:lstStyle/>
+          <a:p>
+            <a:r>
+              <a:rPr lang="fr-FR" dirty="0" smtClean="0">
+                <a:latin typeface="Calibri" panose="020F0502020204030204" pitchFamily="34" charset="0"/>
+                <a:ea typeface="Malgun Gothic" panose="020B0503020000020004" pitchFamily="34" charset="-127"/>
+                <a:cs typeface="Times New Roman" panose="02020603050405020304" pitchFamily="18" charset="0"/>
+              </a:rPr>
+              <a:t>Même métrique pour </a:t>
+            </a:r>
+            <a:r>
+              <a:rPr lang="fr-FR" dirty="0">
+                <a:latin typeface="Calibri" panose="020F0502020204030204" pitchFamily="34" charset="0"/>
+                <a:ea typeface="Malgun Gothic" panose="020B0503020000020004" pitchFamily="34" charset="-127"/>
+                <a:cs typeface="Times New Roman" panose="02020603050405020304" pitchFamily="18" charset="0"/>
+              </a:rPr>
+              <a:t>tous les points. Toutes les sphères sont des sphères unités.</a:t>
+            </a:r>
+            <a:endParaRPr lang="fr-FR" dirty="0"/>
+          </a:p>
+        </p:txBody>
+      </p:sp>
+      <p:sp>
+        <p:nvSpPr>
+          <p:cNvPr id="10" name="ZoneTexte 9"/>
+          <p:cNvSpPr txBox="1"/>
+          <p:nvPr/>
+        </p:nvSpPr>
+        <p:spPr>
+          <a:xfrm>
+            <a:off x="6478073" y="1543197"/>
+            <a:ext cx="5288014" cy="1200329"/>
+          </a:xfrm>
+          <a:prstGeom prst="rect">
+            <a:avLst/>
+          </a:prstGeom>
+          <a:noFill/>
+        </p:spPr>
+        <p:txBody>
+          <a:bodyPr wrap="square" rtlCol="0">
+            <a:spAutoFit/>
+          </a:bodyPr>
+          <a:lstStyle/>
+          <a:p>
+            <a:r>
+              <a:rPr lang="fr-FR" dirty="0" smtClean="0">
+                <a:latin typeface="Calibri" panose="020F0502020204030204" pitchFamily="34" charset="0"/>
+                <a:ea typeface="Malgun Gothic" panose="020B0503020000020004" pitchFamily="34" charset="-127"/>
+                <a:cs typeface="Times New Roman" panose="02020603050405020304" pitchFamily="18" charset="0"/>
+              </a:rPr>
+              <a:t>Métriques </a:t>
+            </a:r>
+            <a:r>
+              <a:rPr lang="fr-FR" dirty="0">
+                <a:latin typeface="Calibri" panose="020F0502020204030204" pitchFamily="34" charset="0"/>
+                <a:ea typeface="Malgun Gothic" panose="020B0503020000020004" pitchFamily="34" charset="-127"/>
+                <a:cs typeface="Times New Roman" panose="02020603050405020304" pitchFamily="18" charset="0"/>
+              </a:rPr>
+              <a:t>différentes. Les sphères sont également toutes des sphères unités mais en considérant chacune sa propre métrique.</a:t>
+            </a:r>
+          </a:p>
+          <a:p>
+            <a:endParaRPr lang="fr-FR" dirty="0"/>
+          </a:p>
+        </p:txBody>
+      </p:sp>
+    </p:spTree>
+    <p:extLst>
+      <p:ext uri="{BB962C8B-B14F-4D97-AF65-F5344CB8AC3E}">
+        <p14:creationId xmlns:p14="http://schemas.microsoft.com/office/powerpoint/2010/main" val="1789584"/>
+      </p:ext>
+    </p:extLst>
+  </p:cSld>
+  <p:clrMapOvr>
+    <a:masterClrMapping/>
+  </p:clrMapOvr>
+</p:sld>
+</file>
+
+<file path=ppt/slides/slide5.xml><?xml version="1.0" encoding="utf-8"?>
+<p:sld xmlns:a="http://schemas.openxmlformats.org/drawingml/2006/main" xmlns:r="http://schemas.openxmlformats.org/officeDocument/2006/relationships" xmlns:p="http://schemas.openxmlformats.org/presentationml/2006/main">
+  <p:cSld>
+    <p:spTree>
+      <p:nvGrpSpPr>
+        <p:cNvPr id="1" name=""/>
+        <p:cNvGrpSpPr/>
+        <p:nvPr/>
+      </p:nvGrpSpPr>
+      <p:grpSpPr>
+        <a:xfrm>
+          <a:off x="0" y="0"/>
+          <a:ext cx="0" cy="0"/>
+          <a:chOff x="0" y="0"/>
+          <a:chExt cx="0" cy="0"/>
+        </a:xfrm>
+      </p:grpSpPr>
+      <p:sp>
+        <p:nvSpPr>
+          <p:cNvPr id="2" name="Titre 1">
+            <a:extLst>
+              <a:ext uri="{FF2B5EF4-FFF2-40B4-BE49-F238E27FC236}">
+                <a16:creationId xmlns="" xmlns:a16="http://schemas.microsoft.com/office/drawing/2014/main" id="{BDA36E46-4BE5-4BB2-B437-A05847BD4C74}"/>
+              </a:ext>
+            </a:extLst>
+          </p:cNvPr>
+          <p:cNvSpPr>
+            <a:spLocks noGrp="1"/>
+          </p:cNvSpPr>
+          <p:nvPr>
+            <p:ph type="title"/>
+          </p:nvPr>
+        </p:nvSpPr>
+        <p:spPr/>
+        <p:txBody>
+          <a:bodyPr/>
+          <a:lstStyle/>
+          <a:p>
+            <a:r>
+              <a:rPr lang="fr-FR" dirty="0"/>
+              <a:t>Au niveau algorithmique</a:t>
+            </a:r>
+          </a:p>
+        </p:txBody>
+      </p:sp>
+      <p:sp>
+        <p:nvSpPr>
+          <p:cNvPr id="3" name="Espace réservé du contenu 2">
+            <a:extLst>
+              <a:ext uri="{FF2B5EF4-FFF2-40B4-BE49-F238E27FC236}">
+                <a16:creationId xmlns="" xmlns:a16="http://schemas.microsoft.com/office/drawing/2014/main" id="{252AE744-8620-47D4-835C-E1C87EDE5684}"/>
+              </a:ext>
+            </a:extLst>
+          </p:cNvPr>
+          <p:cNvSpPr>
+            <a:spLocks noGrp="1"/>
+          </p:cNvSpPr>
+          <p:nvPr>
+            <p:ph idx="1"/>
+          </p:nvPr>
+        </p:nvSpPr>
+        <p:spPr>
+          <a:xfrm>
+            <a:off x="1209369" y="1730478"/>
+            <a:ext cx="10531218" cy="4151248"/>
+          </a:xfrm>
+        </p:spPr>
+        <p:txBody>
+          <a:bodyPr>
+            <a:normAutofit fontScale="85000" lnSpcReduction="10000"/>
+          </a:bodyPr>
+          <a:lstStyle/>
+          <a:p>
+            <a:pPr lvl="0"/>
+            <a:r>
+              <a:rPr lang="fr-FR" dirty="0"/>
+              <a:t>Quand on connait la dimension de l’espace sur lequel on projette les données (typiquement R² ou R3), on ne connait alors plus la bonne distance des voisions les plus proches. On a alors besoin de faire appel à l’entropie croisée pour déterminer les hyper paramètres. (Principe de l’entropie croisée : le premier terme permet de récupérer la structure locale des données (classes/groupes), le deuxième terme permet de récupérer la structure globale des données (écart entre les différentes classes/groupes)). Concrètement cela est implémenté à l’aide des RP-</a:t>
+            </a:r>
+            <a:r>
+              <a:rPr lang="fr-FR" dirty="0" err="1"/>
+              <a:t>trees</a:t>
+            </a:r>
+            <a:r>
+              <a:rPr lang="fr-FR" dirty="0"/>
+              <a:t> (Rare Pattern </a:t>
+            </a:r>
+            <a:r>
+              <a:rPr lang="fr-FR" dirty="0" err="1"/>
+              <a:t>Tree</a:t>
+            </a:r>
+            <a:r>
+              <a:rPr lang="fr-FR" dirty="0"/>
+              <a:t> Mining) et NN-</a:t>
+            </a:r>
+            <a:r>
+              <a:rPr lang="fr-FR" dirty="0" err="1"/>
+              <a:t>descent</a:t>
+            </a:r>
+            <a:r>
+              <a:rPr lang="fr-FR" dirty="0"/>
+              <a:t> (</a:t>
+            </a:r>
+            <a:r>
+              <a:rPr lang="fr-FR" dirty="0" err="1"/>
+              <a:t>Nearest</a:t>
+            </a:r>
+            <a:r>
+              <a:rPr lang="fr-FR" dirty="0"/>
+              <a:t> </a:t>
+            </a:r>
+            <a:r>
+              <a:rPr lang="fr-FR" dirty="0" err="1"/>
+              <a:t>Neighbor</a:t>
+            </a:r>
+            <a:r>
+              <a:rPr lang="fr-FR" dirty="0"/>
+              <a:t> </a:t>
+            </a:r>
+            <a:r>
+              <a:rPr lang="fr-FR" dirty="0" err="1"/>
+              <a:t>descent</a:t>
+            </a:r>
+            <a:r>
+              <a:rPr lang="fr-FR" dirty="0"/>
+              <a:t>).</a:t>
+            </a:r>
+          </a:p>
+          <a:p>
+            <a:pPr lvl="0"/>
+            <a:r>
+              <a:rPr lang="fr-FR" dirty="0"/>
+              <a:t>La rapidité de l’algorithme est assurée par SGD (Stochastique Gradient </a:t>
+            </a:r>
+            <a:r>
+              <a:rPr lang="fr-FR" dirty="0" err="1"/>
+              <a:t>Descent</a:t>
+            </a:r>
+            <a:r>
+              <a:rPr lang="fr-FR" dirty="0"/>
+              <a:t>) + </a:t>
+            </a:r>
+            <a:r>
+              <a:rPr lang="fr-FR" dirty="0" err="1"/>
+              <a:t>negative</a:t>
+            </a:r>
+            <a:r>
+              <a:rPr lang="fr-FR" dirty="0"/>
+              <a:t> sampling</a:t>
+            </a:r>
+          </a:p>
+          <a:p>
+            <a:pPr marL="0" indent="0">
+              <a:buNone/>
+            </a:pPr>
+            <a:endParaRPr lang="fr-FR" dirty="0"/>
+          </a:p>
+          <a:p>
+            <a:pPr marL="0" indent="0">
+              <a:buNone/>
+            </a:pPr>
+            <a:r>
+              <a:rPr lang="en-GB" sz="2800" dirty="0" err="1"/>
+              <a:t>Avantages</a:t>
+            </a:r>
+            <a:endParaRPr lang="fr-FR" dirty="0"/>
+          </a:p>
+          <a:p>
+            <a:pPr lvl="0"/>
+            <a:r>
+              <a:rPr lang="fr-FR" dirty="0"/>
+              <a:t>Algorithme bien plus rapide que la t-SNE (écart de plus en plus grand avec la taille des données)</a:t>
+            </a:r>
+          </a:p>
+          <a:p>
+            <a:pPr lvl="0"/>
+            <a:r>
+              <a:rPr lang="fr-FR" dirty="0"/>
+              <a:t>Peut prendre en charge plusieurs types de données en même temps, chacune ayant des métriques différentes.</a:t>
+            </a:r>
+          </a:p>
+          <a:p>
+            <a:pPr lvl="0"/>
+            <a:r>
+              <a:rPr lang="fr-FR" dirty="0"/>
+              <a:t>Peut faire de la classification supervisée comme non supervisée.</a:t>
+            </a:r>
+          </a:p>
+          <a:p>
+            <a:endParaRPr lang="fr-FR" dirty="0"/>
+          </a:p>
+        </p:txBody>
+      </p:sp>
+    </p:spTree>
+    <p:extLst>
+      <p:ext uri="{BB962C8B-B14F-4D97-AF65-F5344CB8AC3E}">
+        <p14:creationId xmlns:p14="http://schemas.microsoft.com/office/powerpoint/2010/main" val="4221893676"/>
+      </p:ext>
+    </p:extLst>
+  </p:cSld>
+  <p:clrMapOvr>
+    <a:masterClrMapping/>
+  </p:clrMapOvr>
+</p:sld>
+</file>
+
+<file path=ppt/slides/slide6.xml><?xml version="1.0" encoding="utf-8"?>
+<p:sld xmlns:a="http://schemas.openxmlformats.org/drawingml/2006/main" xmlns:r="http://schemas.openxmlformats.org/officeDocument/2006/relationships" xmlns:p="http://schemas.openxmlformats.org/presentationml/2006/main">
+  <p:cSld>
+    <p:spTree>
+      <p:nvGrpSpPr>
+        <p:cNvPr id="1" name=""/>
+        <p:cNvGrpSpPr/>
+        <p:nvPr/>
+      </p:nvGrpSpPr>
+      <p:grpSpPr>
+        <a:xfrm>
+          <a:off x="0" y="0"/>
+          <a:ext cx="0" cy="0"/>
+          <a:chOff x="0" y="0"/>
+          <a:chExt cx="0" cy="0"/>
+        </a:xfrm>
+      </p:grpSpPr>
+      <p:sp>
+        <p:nvSpPr>
+          <p:cNvPr id="2" name="Titre 1">
+            <a:extLst>
+              <a:ext uri="{FF2B5EF4-FFF2-40B4-BE49-F238E27FC236}">
+                <a16:creationId xmlns="" xmlns:a16="http://schemas.microsoft.com/office/drawing/2014/main" id="{4D17587A-B21D-4FBF-869E-0A8E478C2A90}"/>
+              </a:ext>
+            </a:extLst>
+          </p:cNvPr>
+          <p:cNvSpPr>
+            <a:spLocks noGrp="1"/>
+          </p:cNvSpPr>
+          <p:nvPr>
+            <p:ph type="title"/>
+          </p:nvPr>
+        </p:nvSpPr>
+        <p:spPr/>
+        <p:txBody>
+          <a:bodyPr/>
+          <a:lstStyle/>
+          <a:p>
+            <a:r>
+              <a:rPr lang="fr-FR" dirty="0"/>
+              <a:t>Exemple MNIST</a:t>
+            </a:r>
+          </a:p>
+        </p:txBody>
+      </p:sp>
+      <p:pic>
+        <p:nvPicPr>
+          <p:cNvPr id="4" name="Espace réservé du contenu 3">
+            <a:extLst>
+              <a:ext uri="{FF2B5EF4-FFF2-40B4-BE49-F238E27FC236}">
+                <a16:creationId xmlns="" xmlns:a16="http://schemas.microsoft.com/office/drawing/2014/main" id="{CE74926E-6B38-44CC-A146-2F98A07084A0}"/>
+              </a:ext>
+            </a:extLst>
+          </p:cNvPr>
+          <p:cNvPicPr>
+            <a:picLocks noGrp="1"/>
+          </p:cNvPicPr>
+          <p:nvPr>
+            <p:ph idx="1"/>
+          </p:nvPr>
+        </p:nvPicPr>
+        <p:blipFill rotWithShape="1">
+          <a:blip r:embed="rId2"/>
+          <a:srcRect l="24327" t="16498" r="22673" b="14567"/>
+          <a:stretch/>
+        </p:blipFill>
+        <p:spPr bwMode="auto">
+          <a:xfrm>
+            <a:off x="560138" y="1799304"/>
+            <a:ext cx="5166736" cy="3778250"/>
+          </a:xfrm>
+          <a:prstGeom prst="rect">
+            <a:avLst/>
+          </a:prstGeom>
+          <a:ln>
+            <a:noFill/>
+          </a:ln>
+          <a:extLst>
+            <a:ext uri="{53640926-AAD7-44D8-BBD7-CCE9431645EC}">
+              <a14:shadowObscured xmlns:a14="http://schemas.microsoft.com/office/drawing/2010/main"/>
+            </a:ext>
+          </a:extLst>
+        </p:spPr>
+      </p:pic>
+      <p:pic>
+        <p:nvPicPr>
+          <p:cNvPr id="5" name="Image 4">
+            <a:extLst>
+              <a:ext uri="{FF2B5EF4-FFF2-40B4-BE49-F238E27FC236}">
+                <a16:creationId xmlns="" xmlns:a16="http://schemas.microsoft.com/office/drawing/2014/main" id="{F12E06E6-DE73-471F-8187-12BCD37B8A24}"/>
+              </a:ext>
+            </a:extLst>
+          </p:cNvPr>
+          <p:cNvPicPr/>
+          <p:nvPr/>
+        </p:nvPicPr>
+        <p:blipFill rotWithShape="1">
+          <a:blip r:embed="rId3"/>
+          <a:srcRect l="11340" t="9532" r="39369" b="16390"/>
+          <a:stretch/>
+        </p:blipFill>
+        <p:spPr bwMode="auto">
+          <a:xfrm>
+            <a:off x="6065949" y="1799304"/>
+            <a:ext cx="4847857" cy="3778250"/>
+          </a:xfrm>
+          <a:prstGeom prst="rect">
+            <a:avLst/>
+          </a:prstGeom>
+          <a:ln>
+            <a:noFill/>
+          </a:ln>
+          <a:extLst>
+            <a:ext uri="{53640926-AAD7-44D8-BBD7-CCE9431645EC}">
+              <a14:shadowObscured xmlns:a14="http://schemas.microsoft.com/office/drawing/2010/main"/>
+            </a:ext>
+          </a:extLst>
+        </p:spPr>
+      </p:pic>
+      <p:sp>
+        <p:nvSpPr>
+          <p:cNvPr id="6" name="Rectangle 5">
+            <a:extLst>
+              <a:ext uri="{FF2B5EF4-FFF2-40B4-BE49-F238E27FC236}">
+                <a16:creationId xmlns="" xmlns:a16="http://schemas.microsoft.com/office/drawing/2014/main" id="{F5EBDEB2-3317-43AA-9B44-7458578D6676}"/>
+              </a:ext>
+            </a:extLst>
+          </p:cNvPr>
+          <p:cNvSpPr/>
+          <p:nvPr/>
+        </p:nvSpPr>
+        <p:spPr>
+          <a:xfrm>
+            <a:off x="1483801" y="5772225"/>
+            <a:ext cx="10708199" cy="784830"/>
+          </a:xfrm>
+          <a:prstGeom prst="rect">
+            <a:avLst/>
+          </a:prstGeom>
+        </p:spPr>
+        <p:txBody>
+          <a:bodyPr wrap="square">
+            <a:spAutoFit/>
+          </a:bodyPr>
+          <a:lstStyle/>
+          <a:p>
+            <a:pPr>
+              <a:spcAft>
+                <a:spcPts val="0"/>
+              </a:spcAft>
+            </a:pPr>
+            <a:r>
+              <a:rPr lang="fr-FR" sz="1500" dirty="0">
+                <a:ea typeface="Malgun Gothic" panose="020B0503020000020004" pitchFamily="34" charset="-127"/>
+                <a:cs typeface="Times New Roman" panose="02020603050405020304" pitchFamily="18" charset="0"/>
+              </a:rPr>
+              <a:t>On voit que les 2 techniques on réussies à séparer les groupes de manière distincte mais la technique UMAP également réussi à capter la structure des globales des données en rapprochant dans l’espace les bottes et les baskets par exemple, en les éloignant les T-shirts. (Données : fashion MNIST, graphiques extraits de la vidéo)</a:t>
+            </a:r>
+          </a:p>
+        </p:txBody>
+      </p:sp>
+    </p:spTree>
+    <p:extLst>
+      <p:ext uri="{BB962C8B-B14F-4D97-AF65-F5344CB8AC3E}">
+        <p14:creationId xmlns:p14="http://schemas.microsoft.com/office/powerpoint/2010/main" val="1327421082"/>
+      </p:ext>
+    </p:extLst>
+  </p:cSld>
+  <p:clrMapOvr>
+    <a:masterClrMapping/>
+  </p:clrMapOvr>
+</p:sld>
+</file>
+
+<file path=ppt/slides/slide7.xml><?xml version="1.0" encoding="utf-8"?>
+<p:sld xmlns:a="http://schemas.openxmlformats.org/drawingml/2006/main" xmlns:r="http://schemas.openxmlformats.org/officeDocument/2006/relationships" xmlns:p="http://schemas.openxmlformats.org/presentationml/2006/main">
+  <p:cSld>
+    <p:spTree>
+      <p:nvGrpSpPr>
+        <p:cNvPr id="1" name=""/>
+        <p:cNvGrpSpPr/>
+        <p:nvPr/>
+      </p:nvGrpSpPr>
+      <p:grpSpPr>
+        <a:xfrm>
+          <a:off x="0" y="0"/>
+          <a:ext cx="0" cy="0"/>
+          <a:chOff x="0" y="0"/>
+          <a:chExt cx="0" cy="0"/>
+        </a:xfrm>
+      </p:grpSpPr>
+      <p:sp>
+        <p:nvSpPr>
+          <p:cNvPr id="2" name="Titre 1">
+            <a:extLst>
+              <a:ext uri="{FF2B5EF4-FFF2-40B4-BE49-F238E27FC236}">
+                <a16:creationId xmlns="" xmlns:a16="http://schemas.microsoft.com/office/drawing/2014/main" id="{6AB5713C-8E4D-44E0-8165-58B8B9EC4756}"/>
+              </a:ext>
+            </a:extLst>
+          </p:cNvPr>
+          <p:cNvSpPr>
+            <a:spLocks noGrp="1"/>
+          </p:cNvSpPr>
+          <p:nvPr>
+            <p:ph type="title"/>
+          </p:nvPr>
+        </p:nvSpPr>
+        <p:spPr>
+          <a:xfrm>
+            <a:off x="2005781" y="638894"/>
+            <a:ext cx="9174367" cy="1280890"/>
+          </a:xfrm>
+        </p:spPr>
+        <p:txBody>
+          <a:bodyPr/>
+          <a:lstStyle/>
+          <a:p>
+            <a:r>
+              <a:rPr lang="fr-FR" dirty="0"/>
+              <a:t>Comparaison des algorithmes en image</a:t>
+            </a:r>
+          </a:p>
+        </p:txBody>
+      </p:sp>
+      <p:pic>
+        <p:nvPicPr>
+          <p:cNvPr id="5" name="Espace réservé du contenu 4" descr="Une image contenant carte&#10;&#10;Description générée automatiquement">
+            <a:extLst>
+              <a:ext uri="{FF2B5EF4-FFF2-40B4-BE49-F238E27FC236}">
+                <a16:creationId xmlns="" xmlns:a16="http://schemas.microsoft.com/office/drawing/2014/main" id="{A3554D0F-5583-43AE-9650-771BE2BFF7A2}"/>
+              </a:ext>
+            </a:extLst>
+          </p:cNvPr>
+          <p:cNvPicPr>
+            <a:picLocks noGrp="1" noChangeAspect="1"/>
+          </p:cNvPicPr>
+          <p:nvPr>
+            <p:ph idx="1"/>
+          </p:nvPr>
+        </p:nvPicPr>
+        <p:blipFill>
+          <a:blip r:embed="rId2">
+            <a:extLst>
+              <a:ext uri="{28A0092B-C50C-407E-A947-70E740481C1C}">
+                <a14:useLocalDpi xmlns:a14="http://schemas.microsoft.com/office/drawing/2010/main" val="0"/>
+              </a:ext>
+            </a:extLst>
+          </a:blip>
+          <a:stretch>
+            <a:fillRect/>
+          </a:stretch>
+        </p:blipFill>
+        <p:spPr>
+          <a:xfrm>
+            <a:off x="794326" y="1572778"/>
+            <a:ext cx="7321409" cy="4823517"/>
+          </a:xfrm>
+        </p:spPr>
+      </p:pic>
+      <p:pic>
+        <p:nvPicPr>
+          <p:cNvPr id="7" name="Image 6" descr="Une image contenant carte&#10;&#10;Description générée automatiquement">
+            <a:extLst>
+              <a:ext uri="{FF2B5EF4-FFF2-40B4-BE49-F238E27FC236}">
+                <a16:creationId xmlns="" xmlns:a16="http://schemas.microsoft.com/office/drawing/2014/main" id="{775090F4-DF78-479A-AF3E-E79222178515}"/>
+              </a:ext>
+            </a:extLst>
+          </p:cNvPr>
+          <p:cNvPicPr>
+            <a:picLocks noChangeAspect="1"/>
+          </p:cNvPicPr>
+          <p:nvPr/>
+        </p:nvPicPr>
+        <p:blipFill>
+          <a:blip r:embed="rId3">
+            <a:extLst>
+              <a:ext uri="{28A0092B-C50C-407E-A947-70E740481C1C}">
+                <a14:useLocalDpi xmlns:a14="http://schemas.microsoft.com/office/drawing/2010/main" val="0"/>
+              </a:ext>
+            </a:extLst>
+          </a:blip>
+          <a:stretch>
+            <a:fillRect/>
+          </a:stretch>
+        </p:blipFill>
+        <p:spPr>
+          <a:xfrm>
+            <a:off x="8060113" y="1572777"/>
+            <a:ext cx="3833034" cy="4823517"/>
+          </a:xfrm>
+          <a:prstGeom prst="rect">
+            <a:avLst/>
+          </a:prstGeom>
+        </p:spPr>
+      </p:pic>
+      <p:sp>
+        <p:nvSpPr>
+          <p:cNvPr id="8" name="ZoneTexte 7">
+            <a:extLst>
+              <a:ext uri="{FF2B5EF4-FFF2-40B4-BE49-F238E27FC236}">
+                <a16:creationId xmlns="" xmlns:a16="http://schemas.microsoft.com/office/drawing/2014/main" id="{4D6F34EA-A453-4EA6-92C1-4D157377D8D2}"/>
+              </a:ext>
+            </a:extLst>
+          </p:cNvPr>
+          <p:cNvSpPr txBox="1"/>
+          <p:nvPr/>
+        </p:nvSpPr>
+        <p:spPr>
+          <a:xfrm>
+            <a:off x="4375355" y="6381956"/>
+            <a:ext cx="1946787" cy="307777"/>
+          </a:xfrm>
+          <a:prstGeom prst="rect">
+            <a:avLst/>
+          </a:prstGeom>
+          <a:noFill/>
+        </p:spPr>
+        <p:txBody>
+          <a:bodyPr wrap="square" rtlCol="0">
+            <a:spAutoFit/>
+          </a:bodyPr>
+          <a:lstStyle/>
+          <a:p>
+            <a:r>
+              <a:rPr lang="fr-FR" sz="1400" dirty="0"/>
+              <a:t>time : 3min 22s</a:t>
+            </a:r>
+          </a:p>
+        </p:txBody>
+      </p:sp>
+    </p:spTree>
+    <p:extLst>
+      <p:ext uri="{BB962C8B-B14F-4D97-AF65-F5344CB8AC3E}">
+        <p14:creationId xmlns:p14="http://schemas.microsoft.com/office/powerpoint/2010/main" val="2977651194"/>
+      </p:ext>
+    </p:extLst>
+  </p:cSld>
+  <p:clrMapOvr>
+    <a:masterClrMapping/>
+  </p:clrMapOvr>
+</p:sld>
+</file>
+
+<file path=ppt/slides/slide8.xml><?xml version="1.0" encoding="utf-8"?>
+<p:sld xmlns:a="http://schemas.openxmlformats.org/drawingml/2006/main" xmlns:r="http://schemas.openxmlformats.org/officeDocument/2006/relationships" xmlns:p="http://schemas.openxmlformats.org/presentationml/2006/main">
+  <p:cSld>
+    <p:spTree>
+      <p:nvGrpSpPr>
+        <p:cNvPr id="1" name=""/>
+        <p:cNvGrpSpPr/>
+        <p:nvPr/>
+      </p:nvGrpSpPr>
+      <p:grpSpPr>
+        <a:xfrm>
+          <a:off x="0" y="0"/>
+          <a:ext cx="0" cy="0"/>
+          <a:chOff x="0" y="0"/>
+          <a:chExt cx="0" cy="0"/>
+        </a:xfrm>
+      </p:grpSpPr>
+      <p:sp>
+        <p:nvSpPr>
+          <p:cNvPr id="2" name="Titre 1">
+            <a:extLst>
+              <a:ext uri="{FF2B5EF4-FFF2-40B4-BE49-F238E27FC236}">
+                <a16:creationId xmlns="" xmlns:a16="http://schemas.microsoft.com/office/drawing/2014/main" id="{1920715E-A89C-48DD-BD35-88014B8DA96D}"/>
+              </a:ext>
+            </a:extLst>
+          </p:cNvPr>
+          <p:cNvSpPr>
+            <a:spLocks noGrp="1"/>
+          </p:cNvSpPr>
+          <p:nvPr>
+            <p:ph type="title"/>
+          </p:nvPr>
+        </p:nvSpPr>
+        <p:spPr/>
+        <p:txBody>
+          <a:bodyPr/>
+          <a:lstStyle/>
+          <a:p>
+            <a:r>
+              <a:rPr lang="fr-FR" dirty="0"/>
+              <a:t>Explication des données</a:t>
+            </a:r>
+          </a:p>
+        </p:txBody>
+      </p:sp>
+      <p:sp>
+        <p:nvSpPr>
+          <p:cNvPr id="3" name="Espace réservé du contenu 2">
+            <a:extLst>
+              <a:ext uri="{FF2B5EF4-FFF2-40B4-BE49-F238E27FC236}">
+                <a16:creationId xmlns="" xmlns:a16="http://schemas.microsoft.com/office/drawing/2014/main" id="{EEEA9601-33D6-41C0-9137-A06F87107F71}"/>
+              </a:ext>
+            </a:extLst>
+          </p:cNvPr>
+          <p:cNvSpPr>
+            <a:spLocks noGrp="1"/>
+          </p:cNvSpPr>
+          <p:nvPr>
+            <p:ph idx="1"/>
+          </p:nvPr>
+        </p:nvSpPr>
+        <p:spPr>
+          <a:xfrm>
+            <a:off x="1969779" y="2507227"/>
+            <a:ext cx="8915400" cy="2819401"/>
+          </a:xfrm>
+        </p:spPr>
+        <p:txBody>
+          <a:bodyPr>
+            <a:normAutofit/>
+          </a:bodyPr>
+          <a:lstStyle/>
+          <a:p>
+            <a:r>
+              <a:rPr lang="fr-FR" dirty="0"/>
+              <a:t>Suppression de la dernière colonne (T90) car trop peu de données (~30% manquantes)</a:t>
+            </a:r>
+          </a:p>
+          <a:p>
+            <a:endParaRPr lang="fr-FR" dirty="0"/>
+          </a:p>
+          <a:p>
+            <a:r>
+              <a:rPr lang="fr-FR" dirty="0"/>
+              <a:t>Suppression des individus ne pouvant pas être modifiés </a:t>
+            </a:r>
+            <a:r>
+              <a:rPr lang="fr-FR" dirty="0" smtClean="0"/>
+              <a:t>(</a:t>
+            </a:r>
+            <a:r>
+              <a:rPr lang="fr-FR" dirty="0" err="1" smtClean="0"/>
+              <a:t>NaN</a:t>
+            </a:r>
+            <a:r>
+              <a:rPr lang="fr-FR" dirty="0" smtClean="0"/>
+              <a:t>) grâce </a:t>
+            </a:r>
+            <a:r>
+              <a:rPr lang="fr-FR" dirty="0"/>
+              <a:t>à leur répétition</a:t>
+            </a:r>
+          </a:p>
+          <a:p>
+            <a:endParaRPr lang="fr-FR" dirty="0"/>
+          </a:p>
+          <a:p>
+            <a:r>
+              <a:rPr lang="fr-FR" dirty="0"/>
+              <a:t>Moyennisation des répétitions</a:t>
+            </a:r>
+          </a:p>
+        </p:txBody>
+      </p:sp>
+    </p:spTree>
+    <p:extLst>
+      <p:ext uri="{BB962C8B-B14F-4D97-AF65-F5344CB8AC3E}">
+        <p14:creationId xmlns:p14="http://schemas.microsoft.com/office/powerpoint/2010/main" val="1846395910"/>
+      </p:ext>
+    </p:extLst>
+  </p:cSld>
+  <p:clrMapOvr>
+    <a:masterClrMapping/>
+  </p:clrMapOvr>
+</p:sld>
+</file>
+
+<file path=ppt/slides/slide9.xml><?xml version="1.0" encoding="utf-8"?>
+<p:sld xmlns:a="http://schemas.openxmlformats.org/drawingml/2006/main" xmlns:r="http://schemas.openxmlformats.org/officeDocument/2006/relationships" xmlns:p="http://schemas.openxmlformats.org/presentationml/2006/main">
+  <p:cSld>
+    <p:spTree>
+      <p:nvGrpSpPr>
+        <p:cNvPr id="1" name=""/>
+        <p:cNvGrpSpPr/>
+        <p:nvPr/>
+      </p:nvGrpSpPr>
+      <p:grpSpPr>
+        <a:xfrm>
+          <a:off x="0" y="0"/>
+          <a:ext cx="0" cy="0"/>
+          <a:chOff x="0" y="0"/>
+          <a:chExt cx="0" cy="0"/>
+        </a:xfrm>
+      </p:grpSpPr>
+      <p:sp>
+        <p:nvSpPr>
+          <p:cNvPr id="2" name="Titre 1">
+            <a:extLst>
+              <a:ext uri="{FF2B5EF4-FFF2-40B4-BE49-F238E27FC236}">
+                <a16:creationId xmlns="" xmlns:a16="http://schemas.microsoft.com/office/drawing/2014/main" id="{42A6191B-EDEF-4368-8024-C8516E0CA788}"/>
+              </a:ext>
+            </a:extLst>
+          </p:cNvPr>
+          <p:cNvSpPr>
+            <a:spLocks noGrp="1"/>
+          </p:cNvSpPr>
+          <p:nvPr>
+            <p:ph type="title"/>
+          </p:nvPr>
+        </p:nvSpPr>
+        <p:spPr>
+          <a:xfrm>
+            <a:off x="2061112" y="624110"/>
+            <a:ext cx="8911687" cy="1280890"/>
+          </a:xfrm>
+        </p:spPr>
+        <p:txBody>
+          <a:bodyPr/>
+          <a:lstStyle/>
+          <a:p>
+            <a:r>
+              <a:rPr lang="fr-FR" dirty="0"/>
+              <a:t>Représentation simple des données</a:t>
+            </a:r>
+          </a:p>
+        </p:txBody>
+      </p:sp>
+      <p:sp>
+        <p:nvSpPr>
+          <p:cNvPr id="5" name="ZoneTexte 4">
+            <a:extLst>
+              <a:ext uri="{FF2B5EF4-FFF2-40B4-BE49-F238E27FC236}">
+                <a16:creationId xmlns="" xmlns:a16="http://schemas.microsoft.com/office/drawing/2014/main" id="{E63D24D8-54A0-4AD2-A4F0-4F8A3F7136CA}"/>
+              </a:ext>
+            </a:extLst>
+          </p:cNvPr>
+          <p:cNvSpPr txBox="1"/>
+          <p:nvPr/>
+        </p:nvSpPr>
+        <p:spPr>
+          <a:xfrm>
+            <a:off x="2722137" y="1535668"/>
+            <a:ext cx="7376988" cy="369332"/>
+          </a:xfrm>
+          <a:prstGeom prst="rect">
+            <a:avLst/>
+          </a:prstGeom>
+          <a:noFill/>
+        </p:spPr>
+        <p:txBody>
+          <a:bodyPr wrap="square" rtlCol="0">
+            <a:spAutoFit/>
+          </a:bodyPr>
+          <a:lstStyle/>
+          <a:p>
+            <a:r>
+              <a:rPr lang="fr-FR" dirty="0" err="1"/>
+              <a:t>Boxplot</a:t>
+            </a:r>
+            <a:r>
+              <a:rPr lang="fr-FR" dirty="0"/>
+              <a:t> des vitesses de germination en fonction de la zone</a:t>
+            </a:r>
+          </a:p>
+        </p:txBody>
+      </p:sp>
+      <p:pic>
+        <p:nvPicPr>
+          <p:cNvPr id="1026" name="Picture 2">
+            <a:extLst>
+              <a:ext uri="{FF2B5EF4-FFF2-40B4-BE49-F238E27FC236}">
+                <a16:creationId xmlns="" xmlns:a16="http://schemas.microsoft.com/office/drawing/2014/main" id="{FA0DE3E3-BAF2-426B-881F-8D193E9B5797}"/>
+              </a:ext>
+            </a:extLst>
+          </p:cNvPr>
+          <p:cNvPicPr>
+            <a:picLocks noChangeAspect="1" noChangeArrowheads="1"/>
+          </p:cNvPicPr>
+          <p:nvPr/>
+        </p:nvPicPr>
+        <p:blipFill>
+          <a:blip r:embed="rId2">
+            <a:extLst>
+              <a:ext uri="{28A0092B-C50C-407E-A947-70E740481C1C}">
+                <a14:useLocalDpi xmlns:a14="http://schemas.microsoft.com/office/drawing/2010/main" val="0"/>
+              </a:ext>
+            </a:extLst>
+          </a:blip>
+          <a:srcRect/>
+          <a:stretch>
+            <a:fillRect/>
+          </a:stretch>
+        </p:blipFill>
+        <p:spPr bwMode="auto">
+          <a:xfrm>
+            <a:off x="1828799" y="2000250"/>
+            <a:ext cx="9144000" cy="4857750"/>
+          </a:xfrm>
+          <a:prstGeom prst="rect">
+            <a:avLst/>
+          </a:prstGeom>
+          <a:noFill/>
+          <a:extLst>
+            <a:ext uri="{909E8E84-426E-40DD-AFC4-6F175D3DCCD1}">
+              <a14:hiddenFill xmlns:a14="http://schemas.microsoft.com/office/drawing/2010/main">
+                <a:solidFill>
+                  <a:srgbClr val="FFFFFF"/>
+                </a:solidFill>
+              </a14:hiddenFill>
+            </a:ext>
+          </a:extLst>
+        </p:spPr>
+      </p:pic>
+    </p:spTree>
+    <p:extLst>
+      <p:ext uri="{BB962C8B-B14F-4D97-AF65-F5344CB8AC3E}">
+        <p14:creationId xmlns:p14="http://schemas.microsoft.com/office/powerpoint/2010/main" val="2123986381"/>
       </p:ext>
     </p:extLst>
   </p:cSld>
